--- a/Waves and Color.pptx
+++ b/Waves and Color.pptx
@@ -2,17 +2,20 @@
 <file path=ppt/presentation.xml><?xml version="1.0" encoding="utf-8"?>
 <p:presentation xmlns:a="http://schemas.openxmlformats.org/drawingml/2006/main" xmlns:r="http://schemas.openxmlformats.org/officeDocument/2006/relationships" xmlns:p="http://schemas.openxmlformats.org/presentationml/2006/main" saveSubsetFonts="1">
   <p:sldMasterIdLst>
-    <p:sldMasterId id="2147483648" r:id="rId1"/>
+    <p:sldMasterId id="2147483648" r:id="rId4"/>
   </p:sldMasterIdLst>
   <p:notesMasterIdLst>
-    <p:notesMasterId r:id="rId7"/>
+    <p:notesMasterId r:id="rId13"/>
   </p:notesMasterIdLst>
   <p:sldIdLst>
-    <p:sldId id="336" r:id="rId2"/>
-    <p:sldId id="337" r:id="rId3"/>
-    <p:sldId id="338" r:id="rId4"/>
-    <p:sldId id="359" r:id="rId5"/>
-    <p:sldId id="340" r:id="rId6"/>
+    <p:sldId id="256" r:id="rId5"/>
+    <p:sldId id="336" r:id="rId6"/>
+    <p:sldId id="361" r:id="rId7"/>
+    <p:sldId id="337" r:id="rId8"/>
+    <p:sldId id="338" r:id="rId9"/>
+    <p:sldId id="359" r:id="rId10"/>
+    <p:sldId id="362" r:id="rId11"/>
+    <p:sldId id="340" r:id="rId12"/>
   </p:sldIdLst>
   <p:sldSz cx="12192000" cy="6858000"/>
   <p:notesSz cx="6858000" cy="9144000"/>
@@ -111,59 +114,360 @@
       </a:defRPr>
     </a:lvl9pPr>
   </p:defaultTextStyle>
+  <p:extLst>
+    <p:ext uri="{EFAFB233-063F-42B5-8137-9DF3F51BA10A}">
+      <p15:sldGuideLst xmlns:p15="http://schemas.microsoft.com/office/powerpoint/2012/main"/>
+    </p:ext>
+  </p:extLst>
 </p:presentation>
-</file>
-
-<file path=ppt/revisionInfo.xml><?xml version="1.0" encoding="utf-8"?>
-<p1510:revInfo xmlns:a="http://schemas.openxmlformats.org/drawingml/2006/main" xmlns:r="http://schemas.openxmlformats.org/officeDocument/2006/relationships" xmlns:p1510="http://schemas.microsoft.com/office/powerpoint/2015/10/main">
-  <p1510:revLst>
-    <p1510:client id="{961316C6-8E88-4F0F-85ED-54618612A75E}" v="1" dt="2024-06-12T12:59:58.027"/>
-  </p1510:revLst>
-</p1510:revInfo>
 </file>
 
 <file path=ppt/changesInfos/changesInfo1.xml><?xml version="1.0" encoding="utf-8"?>
 <pc:chgInfo xmlns:a="http://schemas.openxmlformats.org/drawingml/2006/main" xmlns:r="http://schemas.openxmlformats.org/officeDocument/2006/relationships" xmlns:ac="http://schemas.microsoft.com/office/drawing/2013/main/command" xmlns:pc="http://schemas.microsoft.com/office/powerpoint/2013/main/command">
   <pc:docChgLst>
-    <pc:chgData name="Nolan Lok" userId="a7a10f1d15904e9a" providerId="LiveId" clId="{961316C6-8E88-4F0F-85ED-54618612A75E}"/>
-    <pc:docChg chg="addSld modSld">
-      <pc:chgData name="Nolan Lok" userId="a7a10f1d15904e9a" providerId="LiveId" clId="{961316C6-8E88-4F0F-85ED-54618612A75E}" dt="2024-06-12T12:59:57.986" v="0"/>
+    <pc:chgData name="Lok, Nolan C." userId="f06b5798-e099-4382-ac64-60fadce9e0aa" providerId="ADAL" clId="{6413F8BD-5D89-46D7-8C43-AC3C244CF443}"/>
+    <pc:docChg chg="undo redo custSel addSld delSld modSld">
+      <pc:chgData name="Lok, Nolan C." userId="f06b5798-e099-4382-ac64-60fadce9e0aa" providerId="ADAL" clId="{6413F8BD-5D89-46D7-8C43-AC3C244CF443}" dt="2025-05-06T18:46:50.690" v="1981" actId="47"/>
       <pc:docMkLst>
         <pc:docMk/>
       </pc:docMkLst>
+      <pc:sldChg chg="delSp modSp mod modNotesTx">
+        <pc:chgData name="Lok, Nolan C." userId="f06b5798-e099-4382-ac64-60fadce9e0aa" providerId="ADAL" clId="{6413F8BD-5D89-46D7-8C43-AC3C244CF443}" dt="2025-05-06T18:37:10.967" v="1525"/>
+        <pc:sldMkLst>
+          <pc:docMk/>
+          <pc:sldMk cId="853760861" sldId="336"/>
+        </pc:sldMkLst>
+        <pc:spChg chg="mod">
+          <ac:chgData name="Lok, Nolan C." userId="f06b5798-e099-4382-ac64-60fadce9e0aa" providerId="ADAL" clId="{6413F8BD-5D89-46D7-8C43-AC3C244CF443}" dt="2025-05-01T13:15:46.663" v="19" actId="108"/>
+          <ac:spMkLst>
+            <pc:docMk/>
+            <pc:sldMk cId="853760861" sldId="336"/>
+            <ac:spMk id="3" creationId="{A5AA0F09-A481-5809-7F45-CB6DD53374FE}"/>
+          </ac:spMkLst>
+        </pc:spChg>
+      </pc:sldChg>
+      <pc:sldChg chg="modSp mod">
+        <pc:chgData name="Lok, Nolan C." userId="f06b5798-e099-4382-ac64-60fadce9e0aa" providerId="ADAL" clId="{6413F8BD-5D89-46D7-8C43-AC3C244CF443}" dt="2025-05-06T18:46:37.256" v="1980" actId="20577"/>
+        <pc:sldMkLst>
+          <pc:docMk/>
+          <pc:sldMk cId="3999687333" sldId="340"/>
+        </pc:sldMkLst>
+        <pc:spChg chg="mod">
+          <ac:chgData name="Lok, Nolan C." userId="f06b5798-e099-4382-ac64-60fadce9e0aa" providerId="ADAL" clId="{6413F8BD-5D89-46D7-8C43-AC3C244CF443}" dt="2025-05-06T18:46:37.256" v="1980" actId="20577"/>
+          <ac:spMkLst>
+            <pc:docMk/>
+            <pc:sldMk cId="3999687333" sldId="340"/>
+            <ac:spMk id="3" creationId="{C50DCECB-0874-B88B-24D6-47FDD5AE7492}"/>
+          </ac:spMkLst>
+        </pc:spChg>
+      </pc:sldChg>
+      <pc:sldChg chg="addSp delSp mod">
+        <pc:chgData name="Lok, Nolan C." userId="f06b5798-e099-4382-ac64-60fadce9e0aa" providerId="ADAL" clId="{6413F8BD-5D89-46D7-8C43-AC3C244CF443}" dt="2025-05-01T13:49:32.784" v="1478" actId="22"/>
+        <pc:sldMkLst>
+          <pc:docMk/>
+          <pc:sldMk cId="3027377417" sldId="359"/>
+        </pc:sldMkLst>
+      </pc:sldChg>
+      <pc:sldChg chg="modSp del mod">
+        <pc:chgData name="Lok, Nolan C." userId="f06b5798-e099-4382-ac64-60fadce9e0aa" providerId="ADAL" clId="{6413F8BD-5D89-46D7-8C43-AC3C244CF443}" dt="2025-05-06T18:46:50.690" v="1981" actId="47"/>
+        <pc:sldMkLst>
+          <pc:docMk/>
+          <pc:sldMk cId="2976282205" sldId="360"/>
+        </pc:sldMkLst>
+      </pc:sldChg>
+      <pc:sldChg chg="addSp delSp modSp new mod">
+        <pc:chgData name="Lok, Nolan C." userId="f06b5798-e099-4382-ac64-60fadce9e0aa" providerId="ADAL" clId="{6413F8BD-5D89-46D7-8C43-AC3C244CF443}" dt="2025-05-01T13:19:05.508" v="80" actId="1076"/>
+        <pc:sldMkLst>
+          <pc:docMk/>
+          <pc:sldMk cId="2286241091" sldId="361"/>
+        </pc:sldMkLst>
+        <pc:spChg chg="mod">
+          <ac:chgData name="Lok, Nolan C." userId="f06b5798-e099-4382-ac64-60fadce9e0aa" providerId="ADAL" clId="{6413F8BD-5D89-46D7-8C43-AC3C244CF443}" dt="2025-05-01T13:18:47.172" v="52" actId="20577"/>
+          <ac:spMkLst>
+            <pc:docMk/>
+            <pc:sldMk cId="2286241091" sldId="361"/>
+            <ac:spMk id="2" creationId="{8E4D1602-8906-6450-AE95-FBB9716C4EE1}"/>
+          </ac:spMkLst>
+        </pc:spChg>
+        <pc:spChg chg="add mod">
+          <ac:chgData name="Lok, Nolan C." userId="f06b5798-e099-4382-ac64-60fadce9e0aa" providerId="ADAL" clId="{6413F8BD-5D89-46D7-8C43-AC3C244CF443}" dt="2025-05-01T13:18:58.038" v="79" actId="1035"/>
+          <ac:spMkLst>
+            <pc:docMk/>
+            <pc:sldMk cId="2286241091" sldId="361"/>
+            <ac:spMk id="4" creationId="{559E9CDC-C0B7-2F0D-1DDD-CB707A1CCC0B}"/>
+          </ac:spMkLst>
+        </pc:spChg>
+        <pc:picChg chg="add mod">
+          <ac:chgData name="Lok, Nolan C." userId="f06b5798-e099-4382-ac64-60fadce9e0aa" providerId="ADAL" clId="{6413F8BD-5D89-46D7-8C43-AC3C244CF443}" dt="2025-05-01T13:19:05.508" v="80" actId="1076"/>
+          <ac:picMkLst>
+            <pc:docMk/>
+            <pc:sldMk cId="2286241091" sldId="361"/>
+            <ac:picMk id="6" creationId="{39EF0BFA-0635-CB3B-EB1F-BE7CF1EAC4B4}"/>
+          </ac:picMkLst>
+        </pc:picChg>
+      </pc:sldChg>
+      <pc:sldChg chg="addSp delSp modSp new mod">
+        <pc:chgData name="Lok, Nolan C." userId="f06b5798-e099-4382-ac64-60fadce9e0aa" providerId="ADAL" clId="{6413F8BD-5D89-46D7-8C43-AC3C244CF443}" dt="2025-05-06T18:43:38.406" v="1835" actId="1076"/>
+        <pc:sldMkLst>
+          <pc:docMk/>
+          <pc:sldMk cId="3165803906" sldId="362"/>
+        </pc:sldMkLst>
+        <pc:spChg chg="mod">
+          <ac:chgData name="Lok, Nolan C." userId="f06b5798-e099-4382-ac64-60fadce9e0aa" providerId="ADAL" clId="{6413F8BD-5D89-46D7-8C43-AC3C244CF443}" dt="2025-05-06T18:40:44.702" v="1646" actId="20577"/>
+          <ac:spMkLst>
+            <pc:docMk/>
+            <pc:sldMk cId="3165803906" sldId="362"/>
+            <ac:spMk id="2" creationId="{156438AD-D4EA-FC27-3F62-473F9FAAE4B8}"/>
+          </ac:spMkLst>
+        </pc:spChg>
+        <pc:spChg chg="add mod">
+          <ac:chgData name="Lok, Nolan C." userId="f06b5798-e099-4382-ac64-60fadce9e0aa" providerId="ADAL" clId="{6413F8BD-5D89-46D7-8C43-AC3C244CF443}" dt="2025-05-06T18:43:34.067" v="1834" actId="1076"/>
+          <ac:spMkLst>
+            <pc:docMk/>
+            <pc:sldMk cId="3165803906" sldId="362"/>
+            <ac:spMk id="5" creationId="{D19D74D3-B45B-63DA-CEE4-C2914A0A6A5F}"/>
+          </ac:spMkLst>
+        </pc:spChg>
+        <pc:spChg chg="add mod">
+          <ac:chgData name="Lok, Nolan C." userId="f06b5798-e099-4382-ac64-60fadce9e0aa" providerId="ADAL" clId="{6413F8BD-5D89-46D7-8C43-AC3C244CF443}" dt="2025-05-01T13:35:26.746" v="620" actId="208"/>
+          <ac:spMkLst>
+            <pc:docMk/>
+            <pc:sldMk cId="3165803906" sldId="362"/>
+            <ac:spMk id="6" creationId="{2C3D8A40-4EA0-7C5E-B31C-275CCD1F00B5}"/>
+          </ac:spMkLst>
+        </pc:spChg>
+        <pc:spChg chg="add mod">
+          <ac:chgData name="Lok, Nolan C." userId="f06b5798-e099-4382-ac64-60fadce9e0aa" providerId="ADAL" clId="{6413F8BD-5D89-46D7-8C43-AC3C244CF443}" dt="2025-05-01T13:35:26.746" v="620" actId="208"/>
+          <ac:spMkLst>
+            <pc:docMk/>
+            <pc:sldMk cId="3165803906" sldId="362"/>
+            <ac:spMk id="11" creationId="{3261774A-D9D7-74D3-8629-832413C5D72F}"/>
+          </ac:spMkLst>
+        </pc:spChg>
+        <pc:spChg chg="add mod">
+          <ac:chgData name="Lok, Nolan C." userId="f06b5798-e099-4382-ac64-60fadce9e0aa" providerId="ADAL" clId="{6413F8BD-5D89-46D7-8C43-AC3C244CF443}" dt="2025-05-01T13:35:26.746" v="620" actId="208"/>
+          <ac:spMkLst>
+            <pc:docMk/>
+            <pc:sldMk cId="3165803906" sldId="362"/>
+            <ac:spMk id="12" creationId="{BD04BA1A-DF84-A0B7-738B-9691BCBDBBCC}"/>
+          </ac:spMkLst>
+        </pc:spChg>
+        <pc:spChg chg="add mod ord">
+          <ac:chgData name="Lok, Nolan C." userId="f06b5798-e099-4382-ac64-60fadce9e0aa" providerId="ADAL" clId="{6413F8BD-5D89-46D7-8C43-AC3C244CF443}" dt="2025-05-01T13:35:26.746" v="620" actId="208"/>
+          <ac:spMkLst>
+            <pc:docMk/>
+            <pc:sldMk cId="3165803906" sldId="362"/>
+            <ac:spMk id="13" creationId="{F558DB5C-BFE9-BCA7-169C-07E94405F4D0}"/>
+          </ac:spMkLst>
+        </pc:spChg>
+        <pc:spChg chg="add mod">
+          <ac:chgData name="Lok, Nolan C." userId="f06b5798-e099-4382-ac64-60fadce9e0aa" providerId="ADAL" clId="{6413F8BD-5D89-46D7-8C43-AC3C244CF443}" dt="2025-05-01T13:35:35.326" v="621" actId="208"/>
+          <ac:spMkLst>
+            <pc:docMk/>
+            <pc:sldMk cId="3165803906" sldId="362"/>
+            <ac:spMk id="14" creationId="{7ECAE4EE-484E-6837-4AF9-FD26E4592F27}"/>
+          </ac:spMkLst>
+        </pc:spChg>
+        <pc:spChg chg="add mod ord">
+          <ac:chgData name="Lok, Nolan C." userId="f06b5798-e099-4382-ac64-60fadce9e0aa" providerId="ADAL" clId="{6413F8BD-5D89-46D7-8C43-AC3C244CF443}" dt="2025-05-01T13:36:13.074" v="629" actId="1076"/>
+          <ac:spMkLst>
+            <pc:docMk/>
+            <pc:sldMk cId="3165803906" sldId="362"/>
+            <ac:spMk id="15" creationId="{9F4C992D-3346-92A8-62AC-02EC89814609}"/>
+          </ac:spMkLst>
+        </pc:spChg>
+        <pc:spChg chg="add mod">
+          <ac:chgData name="Lok, Nolan C." userId="f06b5798-e099-4382-ac64-60fadce9e0aa" providerId="ADAL" clId="{6413F8BD-5D89-46D7-8C43-AC3C244CF443}" dt="2025-05-01T13:31:54.043" v="586" actId="1076"/>
+          <ac:spMkLst>
+            <pc:docMk/>
+            <pc:sldMk cId="3165803906" sldId="362"/>
+            <ac:spMk id="16" creationId="{1CA4AC9D-685F-A3E6-71AD-CC46167E9EB7}"/>
+          </ac:spMkLst>
+        </pc:spChg>
+        <pc:spChg chg="add mod">
+          <ac:chgData name="Lok, Nolan C." userId="f06b5798-e099-4382-ac64-60fadce9e0aa" providerId="ADAL" clId="{6413F8BD-5D89-46D7-8C43-AC3C244CF443}" dt="2025-05-01T13:36:33.586" v="632" actId="1076"/>
+          <ac:spMkLst>
+            <pc:docMk/>
+            <pc:sldMk cId="3165803906" sldId="362"/>
+            <ac:spMk id="17" creationId="{C1DA3823-BD71-E61E-2D77-123A8947CAED}"/>
+          </ac:spMkLst>
+        </pc:spChg>
+        <pc:spChg chg="add mod">
+          <ac:chgData name="Lok, Nolan C." userId="f06b5798-e099-4382-ac64-60fadce9e0aa" providerId="ADAL" clId="{6413F8BD-5D89-46D7-8C43-AC3C244CF443}" dt="2025-05-01T13:36:20.652" v="631" actId="1076"/>
+          <ac:spMkLst>
+            <pc:docMk/>
+            <pc:sldMk cId="3165803906" sldId="362"/>
+            <ac:spMk id="18" creationId="{46C5C3F9-205F-5905-939C-89D92BE9BE0F}"/>
+          </ac:spMkLst>
+        </pc:spChg>
+        <pc:picChg chg="add mod">
+          <ac:chgData name="Lok, Nolan C." userId="f06b5798-e099-4382-ac64-60fadce9e0aa" providerId="ADAL" clId="{6413F8BD-5D89-46D7-8C43-AC3C244CF443}" dt="2025-05-06T18:43:38.406" v="1835" actId="1076"/>
+          <ac:picMkLst>
+            <pc:docMk/>
+            <pc:sldMk cId="3165803906" sldId="362"/>
+            <ac:picMk id="3" creationId="{57E47FD4-4489-4154-26FA-EDF9DB38B52B}"/>
+          </ac:picMkLst>
+        </pc:picChg>
+        <pc:picChg chg="add mod ord">
+          <ac:chgData name="Lok, Nolan C." userId="f06b5798-e099-4382-ac64-60fadce9e0aa" providerId="ADAL" clId="{6413F8BD-5D89-46D7-8C43-AC3C244CF443}" dt="2025-05-06T18:42:05.765" v="1666" actId="1076"/>
+          <ac:picMkLst>
+            <pc:docMk/>
+            <pc:sldMk cId="3165803906" sldId="362"/>
+            <ac:picMk id="4" creationId="{6600C25F-0056-A971-2C76-F6BFE6048198}"/>
+          </ac:picMkLst>
+        </pc:picChg>
+        <pc:picChg chg="add mod">
+          <ac:chgData name="Lok, Nolan C." userId="f06b5798-e099-4382-ac64-60fadce9e0aa" providerId="ADAL" clId="{6413F8BD-5D89-46D7-8C43-AC3C244CF443}" dt="2025-05-01T13:49:20.847" v="1476" actId="1076"/>
+          <ac:picMkLst>
+            <pc:docMk/>
+            <pc:sldMk cId="3165803906" sldId="362"/>
+            <ac:picMk id="35" creationId="{A761AEC1-AA01-A110-823D-86C2D5C10997}"/>
+          </ac:picMkLst>
+        </pc:picChg>
+        <pc:picChg chg="add mod">
+          <ac:chgData name="Lok, Nolan C." userId="f06b5798-e099-4382-ac64-60fadce9e0aa" providerId="ADAL" clId="{6413F8BD-5D89-46D7-8C43-AC3C244CF443}" dt="2025-05-06T18:42:02.600" v="1665" actId="1076"/>
+          <ac:picMkLst>
+            <pc:docMk/>
+            <pc:sldMk cId="3165803906" sldId="362"/>
+            <ac:picMk id="41" creationId="{17BFA1E2-0F32-ECEF-FBC2-5968DF6288A5}"/>
+          </ac:picMkLst>
+        </pc:picChg>
+        <pc:cxnChg chg="add mod">
+          <ac:chgData name="Lok, Nolan C." userId="f06b5798-e099-4382-ac64-60fadce9e0aa" providerId="ADAL" clId="{6413F8BD-5D89-46D7-8C43-AC3C244CF443}" dt="2025-05-01T13:37:06.673" v="638" actId="13822"/>
+          <ac:cxnSpMkLst>
+            <pc:docMk/>
+            <pc:sldMk cId="3165803906" sldId="362"/>
+            <ac:cxnSpMk id="20" creationId="{CD38EDF9-4F2D-BFCB-FF20-3B3218EDA611}"/>
+          </ac:cxnSpMkLst>
+        </pc:cxnChg>
+      </pc:sldChg>
+    </pc:docChg>
+  </pc:docChgLst>
+  <pc:docChgLst>
+    <pc:chgData name="Lok, Nolan C." userId="f06b5798-e099-4382-ac64-60fadce9e0aa" providerId="ADAL" clId="{06287E2F-CC27-4968-810E-A3D20E6EB3AC}"/>
+    <pc:docChg chg="undo custSel addSld modSld">
+      <pc:chgData name="Lok, Nolan C." userId="f06b5798-e099-4382-ac64-60fadce9e0aa" providerId="ADAL" clId="{06287E2F-CC27-4968-810E-A3D20E6EB3AC}" dt="2025-05-08T15:02:14.782" v="87" actId="1035"/>
+      <pc:docMkLst>
+        <pc:docMk/>
+      </pc:docMkLst>
+      <pc:sldChg chg="delSp modSp mod">
+        <pc:chgData name="Lok, Nolan C." userId="f06b5798-e099-4382-ac64-60fadce9e0aa" providerId="ADAL" clId="{06287E2F-CC27-4968-810E-A3D20E6EB3AC}" dt="2025-05-08T14:54:00.693" v="57" actId="478"/>
+        <pc:sldMkLst>
+          <pc:docMk/>
+          <pc:sldMk cId="1074171372" sldId="256"/>
+        </pc:sldMkLst>
+        <pc:spChg chg="mod">
+          <ac:chgData name="Lok, Nolan C." userId="f06b5798-e099-4382-ac64-60fadce9e0aa" providerId="ADAL" clId="{06287E2F-CC27-4968-810E-A3D20E6EB3AC}" dt="2025-05-08T14:49:00.251" v="56"/>
+          <ac:spMkLst>
+            <pc:docMk/>
+            <pc:sldMk cId="1074171372" sldId="256"/>
+            <ac:spMk id="2" creationId="{C2D07E14-CEED-1DD8-31CF-386149C83BFC}"/>
+          </ac:spMkLst>
+        </pc:spChg>
+        <pc:spChg chg="del">
+          <ac:chgData name="Lok, Nolan C." userId="f06b5798-e099-4382-ac64-60fadce9e0aa" providerId="ADAL" clId="{06287E2F-CC27-4968-810E-A3D20E6EB3AC}" dt="2025-05-08T14:54:00.693" v="57" actId="478"/>
+          <ac:spMkLst>
+            <pc:docMk/>
+            <pc:sldMk cId="1074171372" sldId="256"/>
+            <ac:spMk id="3" creationId="{04E00381-91CC-EF41-2F2A-9D00B80C6772}"/>
+          </ac:spMkLst>
+        </pc:spChg>
+      </pc:sldChg>
       <pc:sldChg chg="add">
-        <pc:chgData name="Nolan Lok" userId="a7a10f1d15904e9a" providerId="LiveId" clId="{961316C6-8E88-4F0F-85ED-54618612A75E}" dt="2024-06-12T12:59:57.986" v="0"/>
+        <pc:chgData name="Lok, Nolan C." userId="f06b5798-e099-4382-ac64-60fadce9e0aa" providerId="ADAL" clId="{06287E2F-CC27-4968-810E-A3D20E6EB3AC}" dt="2025-04-28T15:22:10.288" v="0"/>
         <pc:sldMkLst>
           <pc:docMk/>
           <pc:sldMk cId="853760861" sldId="336"/>
         </pc:sldMkLst>
       </pc:sldChg>
       <pc:sldChg chg="add">
-        <pc:chgData name="Nolan Lok" userId="a7a10f1d15904e9a" providerId="LiveId" clId="{961316C6-8E88-4F0F-85ED-54618612A75E}" dt="2024-06-12T12:59:57.986" v="0"/>
+        <pc:chgData name="Lok, Nolan C." userId="f06b5798-e099-4382-ac64-60fadce9e0aa" providerId="ADAL" clId="{06287E2F-CC27-4968-810E-A3D20E6EB3AC}" dt="2025-04-28T15:22:10.288" v="0"/>
         <pc:sldMkLst>
           <pc:docMk/>
           <pc:sldMk cId="3003781050" sldId="337"/>
         </pc:sldMkLst>
       </pc:sldChg>
       <pc:sldChg chg="add">
-        <pc:chgData name="Nolan Lok" userId="a7a10f1d15904e9a" providerId="LiveId" clId="{961316C6-8E88-4F0F-85ED-54618612A75E}" dt="2024-06-12T12:59:57.986" v="0"/>
+        <pc:chgData name="Lok, Nolan C." userId="f06b5798-e099-4382-ac64-60fadce9e0aa" providerId="ADAL" clId="{06287E2F-CC27-4968-810E-A3D20E6EB3AC}" dt="2025-04-28T15:22:10.288" v="0"/>
         <pc:sldMkLst>
           <pc:docMk/>
           <pc:sldMk cId="2081164728" sldId="338"/>
         </pc:sldMkLst>
       </pc:sldChg>
       <pc:sldChg chg="add">
-        <pc:chgData name="Nolan Lok" userId="a7a10f1d15904e9a" providerId="LiveId" clId="{961316C6-8E88-4F0F-85ED-54618612A75E}" dt="2024-06-12T12:59:57.986" v="0"/>
+        <pc:chgData name="Lok, Nolan C." userId="f06b5798-e099-4382-ac64-60fadce9e0aa" providerId="ADAL" clId="{06287E2F-CC27-4968-810E-A3D20E6EB3AC}" dt="2025-04-28T15:22:10.288" v="0"/>
         <pc:sldMkLst>
           <pc:docMk/>
           <pc:sldMk cId="3999687333" sldId="340"/>
         </pc:sldMkLst>
       </pc:sldChg>
-      <pc:sldChg chg="add">
-        <pc:chgData name="Nolan Lok" userId="a7a10f1d15904e9a" providerId="LiveId" clId="{961316C6-8E88-4F0F-85ED-54618612A75E}" dt="2024-06-12T12:59:57.986" v="0"/>
+      <pc:sldChg chg="modSp add mod">
+        <pc:chgData name="Lok, Nolan C." userId="f06b5798-e099-4382-ac64-60fadce9e0aa" providerId="ADAL" clId="{06287E2F-CC27-4968-810E-A3D20E6EB3AC}" dt="2025-05-08T15:02:14.782" v="87" actId="1035"/>
         <pc:sldMkLst>
           <pc:docMk/>
           <pc:sldMk cId="3027377417" sldId="359"/>
+        </pc:sldMkLst>
+        <pc:spChg chg="mod">
+          <ac:chgData name="Lok, Nolan C." userId="f06b5798-e099-4382-ac64-60fadce9e0aa" providerId="ADAL" clId="{06287E2F-CC27-4968-810E-A3D20E6EB3AC}" dt="2025-05-08T15:00:33.621" v="63" actId="20577"/>
+          <ac:spMkLst>
+            <pc:docMk/>
+            <pc:sldMk cId="3027377417" sldId="359"/>
+            <ac:spMk id="25" creationId="{24DD6055-166D-814B-535B-1834F48EB482}"/>
+          </ac:spMkLst>
+        </pc:spChg>
+        <pc:picChg chg="mod">
+          <ac:chgData name="Lok, Nolan C." userId="f06b5798-e099-4382-ac64-60fadce9e0aa" providerId="ADAL" clId="{06287E2F-CC27-4968-810E-A3D20E6EB3AC}" dt="2025-05-08T15:02:14.782" v="87" actId="1035"/>
+          <ac:picMkLst>
+            <pc:docMk/>
+            <pc:sldMk cId="3027377417" sldId="359"/>
+            <ac:picMk id="3" creationId="{A3B88A60-5E60-278B-400F-BF9C9E716627}"/>
+          </ac:picMkLst>
+        </pc:picChg>
+        <pc:picChg chg="mod">
+          <ac:chgData name="Lok, Nolan C." userId="f06b5798-e099-4382-ac64-60fadce9e0aa" providerId="ADAL" clId="{06287E2F-CC27-4968-810E-A3D20E6EB3AC}" dt="2025-05-08T15:02:14.782" v="87" actId="1035"/>
+          <ac:picMkLst>
+            <pc:docMk/>
+            <pc:sldMk cId="3027377417" sldId="359"/>
+            <ac:picMk id="6" creationId="{37D03FD6-6078-AB46-6E9C-8D23F9223DD5}"/>
+          </ac:picMkLst>
+        </pc:picChg>
+      </pc:sldChg>
+      <pc:sldChg chg="modSp new mod">
+        <pc:chgData name="Lok, Nolan C." userId="f06b5798-e099-4382-ac64-60fadce9e0aa" providerId="ADAL" clId="{06287E2F-CC27-4968-810E-A3D20E6EB3AC}" dt="2025-04-28T15:35:28.825" v="6" actId="20577"/>
+        <pc:sldMkLst>
+          <pc:docMk/>
+          <pc:sldMk cId="2976282205" sldId="360"/>
+        </pc:sldMkLst>
+      </pc:sldChg>
+      <pc:sldChg chg="modSp mod">
+        <pc:chgData name="Lok, Nolan C." userId="f06b5798-e099-4382-ac64-60fadce9e0aa" providerId="ADAL" clId="{06287E2F-CC27-4968-810E-A3D20E6EB3AC}" dt="2025-05-08T14:13:51.762" v="26" actId="20577"/>
+        <pc:sldMkLst>
+          <pc:docMk/>
+          <pc:sldMk cId="2286241091" sldId="361"/>
+        </pc:sldMkLst>
+        <pc:spChg chg="mod">
+          <ac:chgData name="Lok, Nolan C." userId="f06b5798-e099-4382-ac64-60fadce9e0aa" providerId="ADAL" clId="{06287E2F-CC27-4968-810E-A3D20E6EB3AC}" dt="2025-05-08T14:13:51.762" v="26" actId="20577"/>
+          <ac:spMkLst>
+            <pc:docMk/>
+            <pc:sldMk cId="2286241091" sldId="361"/>
+            <ac:spMk id="4" creationId="{559E9CDC-C0B7-2F0D-1DDD-CB707A1CCC0B}"/>
+          </ac:spMkLst>
+        </pc:spChg>
+      </pc:sldChg>
+    </pc:docChg>
+  </pc:docChgLst>
+  <pc:docChgLst>
+    <pc:chgData name="Graham, Kenneth R." userId="e0225471-e9f0-48e3-8ed4-0b66ec194646" providerId="ADAL" clId="{1F146C0F-5EDC-4A87-9491-C16FAAD9E547}"/>
+    <pc:docChg chg="modSld">
+      <pc:chgData name="Graham, Kenneth R." userId="e0225471-e9f0-48e3-8ed4-0b66ec194646" providerId="ADAL" clId="{1F146C0F-5EDC-4A87-9491-C16FAAD9E547}" dt="2024-05-09T17:45:05.494" v="2"/>
+      <pc:docMkLst>
+        <pc:docMk/>
+      </pc:docMkLst>
+      <pc:sldChg chg="modSp mod">
+        <pc:chgData name="Graham, Kenneth R." userId="e0225471-e9f0-48e3-8ed4-0b66ec194646" providerId="ADAL" clId="{1F146C0F-5EDC-4A87-9491-C16FAAD9E547}" dt="2024-05-09T17:45:05.494" v="2"/>
+        <pc:sldMkLst>
+          <pc:docMk/>
+          <pc:sldMk cId="1074171372" sldId="256"/>
         </pc:sldMkLst>
       </pc:sldChg>
     </pc:docChg>
@@ -251,9 +555,9 @@
             </a:lvl1pPr>
           </a:lstStyle>
           <a:p>
-            <a:fld id="{8908521B-62AF-46FB-ABF6-A55AD209283B}" type="datetimeFigureOut">
+            <a:fld id="{A8B17C6E-7FA9-48B4-8F50-30E5DBAF9064}" type="datetimeFigureOut">
               <a:rPr lang="en-US" smtClean="0"/>
-              <a:t>6/12/2024</a:t>
+              <a:t>5/8/2025</a:t>
             </a:fld>
             <a:endParaRPr lang="en-US"/>
           </a:p>
@@ -409,7 +713,7 @@
             </a:lvl1pPr>
           </a:lstStyle>
           <a:p>
-            <a:fld id="{11E21215-5CC4-45AB-8E41-8AA01C83188C}" type="slidenum">
+            <a:fld id="{FC48147A-F7E4-41CF-A70C-8A23A5A53EE6}" type="slidenum">
               <a:rPr lang="en-US" smtClean="0"/>
               <a:t>‹#›</a:t>
             </a:fld>
@@ -420,7 +724,7 @@
     </p:spTree>
     <p:extLst>
       <p:ext uri="{BB962C8B-B14F-4D97-AF65-F5344CB8AC3E}">
-        <p14:creationId xmlns:p14="http://schemas.microsoft.com/office/powerpoint/2010/main" val="2948126618"/>
+        <p14:creationId xmlns:p14="http://schemas.microsoft.com/office/powerpoint/2010/main" val="2501430665"/>
       </p:ext>
     </p:extLst>
   </p:cSld>
@@ -565,30 +869,64 @@
           <a:lstStyle/>
           <a:p>
             <a:r>
-              <a:rPr lang="en-US"/>
+              <a:rPr lang="en-US" dirty="0"/>
               <a:t>Resources:</a:t>
             </a:r>
           </a:p>
           <a:p>
             <a:r>
-              <a:rPr lang="en-US"/>
+              <a:rPr lang="en-US" dirty="0"/>
               <a:t>https://blog.feslighting.com/incandescent-vs-led#:~:text=LEDs%20operate%20at%20an%20impressive,only%2010%2D20%25%20efficient.</a:t>
             </a:r>
           </a:p>
           <a:p>
             <a:r>
-              <a:rPr lang="en-US"/>
+              <a:rPr lang="en-US" dirty="0"/>
               <a:t>https://www.thelightbulb.co.uk/resources/ultimate-guide-led-lights-leds-vs-incandescent-lights/</a:t>
             </a:r>
           </a:p>
           <a:p>
             <a:r>
-              <a:rPr lang="en-US"/>
+              <a:rPr lang="en-US" dirty="0"/>
               <a:t>https://cen.acs.org/materials/inorganic-chemistry/chemical-search-better-white-light/96/i46</a:t>
             </a:r>
           </a:p>
           <a:p>
-            <a:endParaRPr lang="en-US"/>
+            <a:endParaRPr lang="en-US" dirty="0"/>
+          </a:p>
+          <a:p>
+            <a:endParaRPr lang="en-US" dirty="0"/>
+          </a:p>
+          <a:p>
+            <a:r>
+              <a:rPr lang="en-US" dirty="0"/>
+              <a:t>Relevant Objectives:</a:t>
+            </a:r>
+            <a:br>
+              <a:rPr lang="en-US" dirty="0"/>
+            </a:br>
+            <a:r>
+              <a:rPr lang="en-US" dirty="0">
+                <a:hlinkClick r:id="rId3"/>
+              </a:rPr>
+              <a:t>https://www.nextgenscience.org/topic-arrangement/hsenergy</a:t>
+            </a:r>
+            <a:endParaRPr lang="en-US" dirty="0"/>
+          </a:p>
+          <a:p>
+            <a:endParaRPr lang="en-US" dirty="0"/>
+          </a:p>
+          <a:p>
+            <a:r>
+              <a:rPr lang="en-US" dirty="0">
+                <a:hlinkClick r:id="rId4"/>
+              </a:rPr>
+              <a:t>https://www.nextgenscience.org/topic-arrangement/hswaves-and-electromagnetic-radiation</a:t>
+            </a:r>
+            <a:endParaRPr lang="en-US" dirty="0"/>
+          </a:p>
+          <a:p>
+            <a:endParaRPr lang="en-US" dirty="0"/>
           </a:p>
         </p:txBody>
       </p:sp>
@@ -609,7 +947,7 @@
           <a:p>
             <a:fld id="{ACB6BB93-0FC6-4712-AFBE-3E117FD8ED0F}" type="slidenum">
               <a:rPr lang="en-US" smtClean="0"/>
-              <a:t>1</a:t>
+              <a:t>2</a:t>
             </a:fld>
             <a:endParaRPr lang="en-US"/>
           </a:p>
@@ -715,7 +1053,7 @@
           <a:p>
             <a:fld id="{ACB6BB93-0FC6-4712-AFBE-3E117FD8ED0F}" type="slidenum">
               <a:rPr lang="en-US"/>
-              <a:t>2</a:t>
+              <a:t>4</a:t>
             </a:fld>
             <a:endParaRPr lang="en-US"/>
           </a:p>
@@ -799,7 +1137,7 @@
           <a:p>
             <a:fld id="{ACB6BB93-0FC6-4712-AFBE-3E117FD8ED0F}" type="slidenum">
               <a:rPr lang="en-US" smtClean="0"/>
-              <a:t>4</a:t>
+              <a:t>6</a:t>
             </a:fld>
             <a:endParaRPr lang="en-US"/>
           </a:p>
@@ -809,6 +1147,111 @@
     <p:extLst>
       <p:ext uri="{BB962C8B-B14F-4D97-AF65-F5344CB8AC3E}">
         <p14:creationId xmlns:p14="http://schemas.microsoft.com/office/powerpoint/2010/main" val="1206836115"/>
+      </p:ext>
+    </p:extLst>
+  </p:cSld>
+  <p:clrMapOvr>
+    <a:masterClrMapping/>
+  </p:clrMapOvr>
+</p:notes>
+</file>
+
+<file path=ppt/notesSlides/notesSlide4.xml><?xml version="1.0" encoding="utf-8"?>
+<p:notes xmlns:a="http://schemas.openxmlformats.org/drawingml/2006/main" xmlns:r="http://schemas.openxmlformats.org/officeDocument/2006/relationships" xmlns:p="http://schemas.openxmlformats.org/presentationml/2006/main">
+  <p:cSld>
+    <p:spTree>
+      <p:nvGrpSpPr>
+        <p:cNvPr id="1" name=""/>
+        <p:cNvGrpSpPr/>
+        <p:nvPr/>
+      </p:nvGrpSpPr>
+      <p:grpSpPr>
+        <a:xfrm>
+          <a:off x="0" y="0"/>
+          <a:ext cx="0" cy="0"/>
+          <a:chOff x="0" y="0"/>
+          <a:chExt cx="0" cy="0"/>
+        </a:xfrm>
+      </p:grpSpPr>
+      <p:sp>
+        <p:nvSpPr>
+          <p:cNvPr id="2" name="Slide Image Placeholder 1"/>
+          <p:cNvSpPr>
+            <a:spLocks noGrp="1" noRot="1" noChangeAspect="1"/>
+          </p:cNvSpPr>
+          <p:nvPr>
+            <p:ph type="sldImg"/>
+          </p:nvPr>
+        </p:nvSpPr>
+        <p:spPr/>
+      </p:sp>
+      <p:sp>
+        <p:nvSpPr>
+          <p:cNvPr id="3" name="Notes Placeholder 2"/>
+          <p:cNvSpPr>
+            <a:spLocks noGrp="1"/>
+          </p:cNvSpPr>
+          <p:nvPr>
+            <p:ph type="body" idx="1"/>
+          </p:nvPr>
+        </p:nvSpPr>
+        <p:spPr/>
+        <p:txBody>
+          <a:bodyPr/>
+          <a:lstStyle/>
+          <a:p>
+            <a:r>
+              <a:rPr lang="en-US">
+                <a:hlinkClick r:id="rId3"/>
+              </a:rPr>
+              <a:t>https://colab.research.google.com/drive/1u6ndeCskxhfThumCNgOqATr6340i3fIE</a:t>
+            </a:r>
+            <a:endParaRPr lang="en-US"/>
+          </a:p>
+          <a:p>
+            <a:endParaRPr lang="en-US">
+              <a:ea typeface="Calibri"/>
+              <a:cs typeface="Calibri"/>
+            </a:endParaRPr>
+          </a:p>
+          <a:p>
+            <a:endParaRPr lang="en-US"/>
+          </a:p>
+          <a:p>
+            <a:endParaRPr lang="en-US">
+              <a:ea typeface="Calibri"/>
+              <a:cs typeface="Calibri"/>
+            </a:endParaRPr>
+          </a:p>
+        </p:txBody>
+      </p:sp>
+      <p:sp>
+        <p:nvSpPr>
+          <p:cNvPr id="4" name="Slide Number Placeholder 3"/>
+          <p:cNvSpPr>
+            <a:spLocks noGrp="1"/>
+          </p:cNvSpPr>
+          <p:nvPr>
+            <p:ph type="sldNum" sz="quarter" idx="5"/>
+          </p:nvPr>
+        </p:nvSpPr>
+        <p:spPr/>
+        <p:txBody>
+          <a:bodyPr/>
+          <a:lstStyle/>
+          <a:p>
+            <a:fld id="{ACB6BB93-0FC6-4712-AFBE-3E117FD8ED0F}" type="slidenum">
+              <a:rPr lang="en-US"/>
+              <a:t>8</a:t>
+            </a:fld>
+            <a:endParaRPr lang="en-US"/>
+          </a:p>
+        </p:txBody>
+      </p:sp>
+    </p:spTree>
+    <p:extLst>
+      <p:ext uri="{BB962C8B-B14F-4D97-AF65-F5344CB8AC3E}">
+        <p14:creationId xmlns:p14="http://schemas.microsoft.com/office/powerpoint/2010/main" val="486432447"/>
       </p:ext>
     </p:extLst>
   </p:cSld>
@@ -840,7 +1283,7 @@
           <p:cNvPr id="2" name="Title 1">
             <a:extLst>
               <a:ext uri="{FF2B5EF4-FFF2-40B4-BE49-F238E27FC236}">
-                <a16:creationId xmlns:a16="http://schemas.microsoft.com/office/drawing/2014/main" id="{2ABC0CD3-55EB-6EAE-A83B-08754B16DD67}"/>
+                <a16:creationId xmlns:a16="http://schemas.microsoft.com/office/drawing/2014/main" id="{1E71C263-E0CA-1B31-6A0A-A3406CA4B413}"/>
               </a:ext>
             </a:extLst>
           </p:cNvPr>
@@ -877,7 +1320,7 @@
           <p:cNvPr id="3" name="Subtitle 2">
             <a:extLst>
               <a:ext uri="{FF2B5EF4-FFF2-40B4-BE49-F238E27FC236}">
-                <a16:creationId xmlns:a16="http://schemas.microsoft.com/office/drawing/2014/main" id="{80DB0F01-1064-B807-582C-A5B75872E5DD}"/>
+                <a16:creationId xmlns:a16="http://schemas.microsoft.com/office/drawing/2014/main" id="{A5925BF4-D1BC-B96D-478D-16C845E502B6}"/>
               </a:ext>
             </a:extLst>
           </p:cNvPr>
@@ -947,7 +1390,7 @@
           <p:cNvPr id="4" name="Date Placeholder 3">
             <a:extLst>
               <a:ext uri="{FF2B5EF4-FFF2-40B4-BE49-F238E27FC236}">
-                <a16:creationId xmlns:a16="http://schemas.microsoft.com/office/drawing/2014/main" id="{489B0EDC-276D-8831-4A6C-768445434DC6}"/>
+                <a16:creationId xmlns:a16="http://schemas.microsoft.com/office/drawing/2014/main" id="{5A3FF8D5-E901-B21B-7F0E-C351AAC13F80}"/>
               </a:ext>
             </a:extLst>
           </p:cNvPr>
@@ -963,9 +1406,9 @@
           <a:bodyPr/>
           <a:lstStyle/>
           <a:p>
-            <a:fld id="{3D362578-C453-4045-B06D-CE5299706B8A}" type="datetimeFigureOut">
+            <a:fld id="{A55429F9-66E5-4D18-AFB1-305331E6C7F9}" type="datetimeFigureOut">
               <a:rPr lang="en-US" smtClean="0"/>
-              <a:t>6/12/2024</a:t>
+              <a:t>5/8/2025</a:t>
             </a:fld>
             <a:endParaRPr lang="en-US"/>
           </a:p>
@@ -976,7 +1419,7 @@
           <p:cNvPr id="5" name="Footer Placeholder 4">
             <a:extLst>
               <a:ext uri="{FF2B5EF4-FFF2-40B4-BE49-F238E27FC236}">
-                <a16:creationId xmlns:a16="http://schemas.microsoft.com/office/drawing/2014/main" id="{5795FBAC-E792-8074-ED08-95405966B8E0}"/>
+                <a16:creationId xmlns:a16="http://schemas.microsoft.com/office/drawing/2014/main" id="{3C8AB329-F5E1-FE14-2C43-4DB72775B2D6}"/>
               </a:ext>
             </a:extLst>
           </p:cNvPr>
@@ -1001,7 +1444,7 @@
           <p:cNvPr id="6" name="Slide Number Placeholder 5">
             <a:extLst>
               <a:ext uri="{FF2B5EF4-FFF2-40B4-BE49-F238E27FC236}">
-                <a16:creationId xmlns:a16="http://schemas.microsoft.com/office/drawing/2014/main" id="{333335E0-BF42-D26A-7124-DDBBBD505F60}"/>
+                <a16:creationId xmlns:a16="http://schemas.microsoft.com/office/drawing/2014/main" id="{F8B8D7C7-6D5B-C3AE-27C7-D85FC5BF1795}"/>
               </a:ext>
             </a:extLst>
           </p:cNvPr>
@@ -1017,7 +1460,7 @@
           <a:bodyPr/>
           <a:lstStyle/>
           <a:p>
-            <a:fld id="{58D9D324-6F56-4B09-BF63-29DE55D77E0E}" type="slidenum">
+            <a:fld id="{7C86D288-686E-432C-A22C-86A4B97B2E9B}" type="slidenum">
               <a:rPr lang="en-US" smtClean="0"/>
               <a:t>‹#›</a:t>
             </a:fld>
@@ -1028,7 +1471,7 @@
     </p:spTree>
     <p:extLst>
       <p:ext uri="{BB962C8B-B14F-4D97-AF65-F5344CB8AC3E}">
-        <p14:creationId xmlns:p14="http://schemas.microsoft.com/office/powerpoint/2010/main" val="4292613812"/>
+        <p14:creationId xmlns:p14="http://schemas.microsoft.com/office/powerpoint/2010/main" val="564480115"/>
       </p:ext>
     </p:extLst>
   </p:cSld>
@@ -1060,7 +1503,7 @@
           <p:cNvPr id="2" name="Title 1">
             <a:extLst>
               <a:ext uri="{FF2B5EF4-FFF2-40B4-BE49-F238E27FC236}">
-                <a16:creationId xmlns:a16="http://schemas.microsoft.com/office/drawing/2014/main" id="{3AA8E413-3CFD-AEE0-D5C9-3DB0BDFA5F15}"/>
+                <a16:creationId xmlns:a16="http://schemas.microsoft.com/office/drawing/2014/main" id="{734C4C04-4A44-D771-627D-CB073077C653}"/>
               </a:ext>
             </a:extLst>
           </p:cNvPr>
@@ -1088,7 +1531,7 @@
           <p:cNvPr id="3" name="Vertical Text Placeholder 2">
             <a:extLst>
               <a:ext uri="{FF2B5EF4-FFF2-40B4-BE49-F238E27FC236}">
-                <a16:creationId xmlns:a16="http://schemas.microsoft.com/office/drawing/2014/main" id="{DBC52DBA-2E69-B31F-9C2B-7FC57AB73C26}"/>
+                <a16:creationId xmlns:a16="http://schemas.microsoft.com/office/drawing/2014/main" id="{00002C3D-C580-7CB3-9638-A753233C6F86}"/>
               </a:ext>
             </a:extLst>
           </p:cNvPr>
@@ -1145,7 +1588,7 @@
           <p:cNvPr id="4" name="Date Placeholder 3">
             <a:extLst>
               <a:ext uri="{FF2B5EF4-FFF2-40B4-BE49-F238E27FC236}">
-                <a16:creationId xmlns:a16="http://schemas.microsoft.com/office/drawing/2014/main" id="{86B89823-E5CC-186A-EBA2-89F4D1A1A94A}"/>
+                <a16:creationId xmlns:a16="http://schemas.microsoft.com/office/drawing/2014/main" id="{A8F3F047-12B5-DF50-8EE4-9A7875144E1B}"/>
               </a:ext>
             </a:extLst>
           </p:cNvPr>
@@ -1161,9 +1604,9 @@
           <a:bodyPr/>
           <a:lstStyle/>
           <a:p>
-            <a:fld id="{3D362578-C453-4045-B06D-CE5299706B8A}" type="datetimeFigureOut">
+            <a:fld id="{A55429F9-66E5-4D18-AFB1-305331E6C7F9}" type="datetimeFigureOut">
               <a:rPr lang="en-US" smtClean="0"/>
-              <a:t>6/12/2024</a:t>
+              <a:t>5/8/2025</a:t>
             </a:fld>
             <a:endParaRPr lang="en-US"/>
           </a:p>
@@ -1174,7 +1617,7 @@
           <p:cNvPr id="5" name="Footer Placeholder 4">
             <a:extLst>
               <a:ext uri="{FF2B5EF4-FFF2-40B4-BE49-F238E27FC236}">
-                <a16:creationId xmlns:a16="http://schemas.microsoft.com/office/drawing/2014/main" id="{B7ED3C99-B2D8-5851-36AC-D612025C7072}"/>
+                <a16:creationId xmlns:a16="http://schemas.microsoft.com/office/drawing/2014/main" id="{DB9BC89E-E1BB-6B98-6641-C624B2685F55}"/>
               </a:ext>
             </a:extLst>
           </p:cNvPr>
@@ -1199,7 +1642,7 @@
           <p:cNvPr id="6" name="Slide Number Placeholder 5">
             <a:extLst>
               <a:ext uri="{FF2B5EF4-FFF2-40B4-BE49-F238E27FC236}">
-                <a16:creationId xmlns:a16="http://schemas.microsoft.com/office/drawing/2014/main" id="{FC322E94-31C9-2D78-C536-2437DA25A8CD}"/>
+                <a16:creationId xmlns:a16="http://schemas.microsoft.com/office/drawing/2014/main" id="{82CDBA15-DBA2-CA1A-39AC-D14FBB69A961}"/>
               </a:ext>
             </a:extLst>
           </p:cNvPr>
@@ -1215,7 +1658,7 @@
           <a:bodyPr/>
           <a:lstStyle/>
           <a:p>
-            <a:fld id="{58D9D324-6F56-4B09-BF63-29DE55D77E0E}" type="slidenum">
+            <a:fld id="{7C86D288-686E-432C-A22C-86A4B97B2E9B}" type="slidenum">
               <a:rPr lang="en-US" smtClean="0"/>
               <a:t>‹#›</a:t>
             </a:fld>
@@ -1226,7 +1669,7 @@
     </p:spTree>
     <p:extLst>
       <p:ext uri="{BB962C8B-B14F-4D97-AF65-F5344CB8AC3E}">
-        <p14:creationId xmlns:p14="http://schemas.microsoft.com/office/powerpoint/2010/main" val="3836216260"/>
+        <p14:creationId xmlns:p14="http://schemas.microsoft.com/office/powerpoint/2010/main" val="3860659709"/>
       </p:ext>
     </p:extLst>
   </p:cSld>
@@ -1258,7 +1701,7 @@
           <p:cNvPr id="2" name="Vertical Title 1">
             <a:extLst>
               <a:ext uri="{FF2B5EF4-FFF2-40B4-BE49-F238E27FC236}">
-                <a16:creationId xmlns:a16="http://schemas.microsoft.com/office/drawing/2014/main" id="{B27CE0CA-6C90-8375-EB83-7FF203FC8063}"/>
+                <a16:creationId xmlns:a16="http://schemas.microsoft.com/office/drawing/2014/main" id="{A2E4A072-4BE4-F0CC-8932-4B0DFBA92FAC}"/>
               </a:ext>
             </a:extLst>
           </p:cNvPr>
@@ -1291,7 +1734,7 @@
           <p:cNvPr id="3" name="Vertical Text Placeholder 2">
             <a:extLst>
               <a:ext uri="{FF2B5EF4-FFF2-40B4-BE49-F238E27FC236}">
-                <a16:creationId xmlns:a16="http://schemas.microsoft.com/office/drawing/2014/main" id="{7EB1C77D-E9DC-D72F-6B45-B6D21C17BBBE}"/>
+                <a16:creationId xmlns:a16="http://schemas.microsoft.com/office/drawing/2014/main" id="{8CF19603-D2DB-0BA2-CD48-3F1A68CF32FB}"/>
               </a:ext>
             </a:extLst>
           </p:cNvPr>
@@ -1353,7 +1796,7 @@
           <p:cNvPr id="4" name="Date Placeholder 3">
             <a:extLst>
               <a:ext uri="{FF2B5EF4-FFF2-40B4-BE49-F238E27FC236}">
-                <a16:creationId xmlns:a16="http://schemas.microsoft.com/office/drawing/2014/main" id="{4AF34254-ABEF-244B-8041-9170FFA8BA38}"/>
+                <a16:creationId xmlns:a16="http://schemas.microsoft.com/office/drawing/2014/main" id="{75748BF1-FE8F-B31C-277A-CA4941D82C07}"/>
               </a:ext>
             </a:extLst>
           </p:cNvPr>
@@ -1369,9 +1812,9 @@
           <a:bodyPr/>
           <a:lstStyle/>
           <a:p>
-            <a:fld id="{3D362578-C453-4045-B06D-CE5299706B8A}" type="datetimeFigureOut">
+            <a:fld id="{A55429F9-66E5-4D18-AFB1-305331E6C7F9}" type="datetimeFigureOut">
               <a:rPr lang="en-US" smtClean="0"/>
-              <a:t>6/12/2024</a:t>
+              <a:t>5/8/2025</a:t>
             </a:fld>
             <a:endParaRPr lang="en-US"/>
           </a:p>
@@ -1382,7 +1825,7 @@
           <p:cNvPr id="5" name="Footer Placeholder 4">
             <a:extLst>
               <a:ext uri="{FF2B5EF4-FFF2-40B4-BE49-F238E27FC236}">
-                <a16:creationId xmlns:a16="http://schemas.microsoft.com/office/drawing/2014/main" id="{0A8B3DF5-95B8-66E8-D699-7712E802D1B3}"/>
+                <a16:creationId xmlns:a16="http://schemas.microsoft.com/office/drawing/2014/main" id="{4C8C42BC-873E-A3A3-32F7-188E55D1C482}"/>
               </a:ext>
             </a:extLst>
           </p:cNvPr>
@@ -1407,7 +1850,7 @@
           <p:cNvPr id="6" name="Slide Number Placeholder 5">
             <a:extLst>
               <a:ext uri="{FF2B5EF4-FFF2-40B4-BE49-F238E27FC236}">
-                <a16:creationId xmlns:a16="http://schemas.microsoft.com/office/drawing/2014/main" id="{DD4A92AA-262F-7BEC-DF8E-E9A4FA482491}"/>
+                <a16:creationId xmlns:a16="http://schemas.microsoft.com/office/drawing/2014/main" id="{90202B2B-AF72-AE3E-8FFB-910CBFD67D1A}"/>
               </a:ext>
             </a:extLst>
           </p:cNvPr>
@@ -1423,7 +1866,7 @@
           <a:bodyPr/>
           <a:lstStyle/>
           <a:p>
-            <a:fld id="{58D9D324-6F56-4B09-BF63-29DE55D77E0E}" type="slidenum">
+            <a:fld id="{7C86D288-686E-432C-A22C-86A4B97B2E9B}" type="slidenum">
               <a:rPr lang="en-US" smtClean="0"/>
               <a:t>‹#›</a:t>
             </a:fld>
@@ -1434,7 +1877,7 @@
     </p:spTree>
     <p:extLst>
       <p:ext uri="{BB962C8B-B14F-4D97-AF65-F5344CB8AC3E}">
-        <p14:creationId xmlns:p14="http://schemas.microsoft.com/office/powerpoint/2010/main" val="1575003885"/>
+        <p14:creationId xmlns:p14="http://schemas.microsoft.com/office/powerpoint/2010/main" val="216152933"/>
       </p:ext>
     </p:extLst>
   </p:cSld>
@@ -1466,7 +1909,7 @@
           <p:cNvPr id="2" name="Title 1">
             <a:extLst>
               <a:ext uri="{FF2B5EF4-FFF2-40B4-BE49-F238E27FC236}">
-                <a16:creationId xmlns:a16="http://schemas.microsoft.com/office/drawing/2014/main" id="{716ECAF2-4D2D-B71A-69F7-2E16B063D961}"/>
+                <a16:creationId xmlns:a16="http://schemas.microsoft.com/office/drawing/2014/main" id="{08228F33-52F9-FC4C-D1AD-D0E1FE0C177A}"/>
               </a:ext>
             </a:extLst>
           </p:cNvPr>
@@ -1494,7 +1937,7 @@
           <p:cNvPr id="3" name="Content Placeholder 2">
             <a:extLst>
               <a:ext uri="{FF2B5EF4-FFF2-40B4-BE49-F238E27FC236}">
-                <a16:creationId xmlns:a16="http://schemas.microsoft.com/office/drawing/2014/main" id="{E993FD36-3148-E71E-746D-CB1CF88B7A90}"/>
+                <a16:creationId xmlns:a16="http://schemas.microsoft.com/office/drawing/2014/main" id="{8D7F51EA-1D39-390B-9A48-D55C3BF79361}"/>
               </a:ext>
             </a:extLst>
           </p:cNvPr>
@@ -1551,7 +1994,7 @@
           <p:cNvPr id="4" name="Date Placeholder 3">
             <a:extLst>
               <a:ext uri="{FF2B5EF4-FFF2-40B4-BE49-F238E27FC236}">
-                <a16:creationId xmlns:a16="http://schemas.microsoft.com/office/drawing/2014/main" id="{F3335229-3BDA-3D36-B7DF-3F2D0B5BB22C}"/>
+                <a16:creationId xmlns:a16="http://schemas.microsoft.com/office/drawing/2014/main" id="{56824C31-C0F6-F1CE-396B-996F2D24557D}"/>
               </a:ext>
             </a:extLst>
           </p:cNvPr>
@@ -1567,9 +2010,9 @@
           <a:bodyPr/>
           <a:lstStyle/>
           <a:p>
-            <a:fld id="{3D362578-C453-4045-B06D-CE5299706B8A}" type="datetimeFigureOut">
+            <a:fld id="{A55429F9-66E5-4D18-AFB1-305331E6C7F9}" type="datetimeFigureOut">
               <a:rPr lang="en-US" smtClean="0"/>
-              <a:t>6/12/2024</a:t>
+              <a:t>5/8/2025</a:t>
             </a:fld>
             <a:endParaRPr lang="en-US"/>
           </a:p>
@@ -1580,7 +2023,7 @@
           <p:cNvPr id="5" name="Footer Placeholder 4">
             <a:extLst>
               <a:ext uri="{FF2B5EF4-FFF2-40B4-BE49-F238E27FC236}">
-                <a16:creationId xmlns:a16="http://schemas.microsoft.com/office/drawing/2014/main" id="{FB7C008E-2B6D-9CB1-F5DE-E0244A4998DF}"/>
+                <a16:creationId xmlns:a16="http://schemas.microsoft.com/office/drawing/2014/main" id="{2C15BD48-ACCC-B3E0-E5EC-75DD4657C53A}"/>
               </a:ext>
             </a:extLst>
           </p:cNvPr>
@@ -1605,7 +2048,7 @@
           <p:cNvPr id="6" name="Slide Number Placeholder 5">
             <a:extLst>
               <a:ext uri="{FF2B5EF4-FFF2-40B4-BE49-F238E27FC236}">
-                <a16:creationId xmlns:a16="http://schemas.microsoft.com/office/drawing/2014/main" id="{F8ACD837-446A-927D-0E73-B8BBF7865444}"/>
+                <a16:creationId xmlns:a16="http://schemas.microsoft.com/office/drawing/2014/main" id="{6E1C241A-08C0-B463-200B-695FA74EB456}"/>
               </a:ext>
             </a:extLst>
           </p:cNvPr>
@@ -1621,7 +2064,7 @@
           <a:bodyPr/>
           <a:lstStyle/>
           <a:p>
-            <a:fld id="{58D9D324-6F56-4B09-BF63-29DE55D77E0E}" type="slidenum">
+            <a:fld id="{7C86D288-686E-432C-A22C-86A4B97B2E9B}" type="slidenum">
               <a:rPr lang="en-US" smtClean="0"/>
               <a:t>‹#›</a:t>
             </a:fld>
@@ -1632,7 +2075,7 @@
     </p:spTree>
     <p:extLst>
       <p:ext uri="{BB962C8B-B14F-4D97-AF65-F5344CB8AC3E}">
-        <p14:creationId xmlns:p14="http://schemas.microsoft.com/office/powerpoint/2010/main" val="1525705483"/>
+        <p14:creationId xmlns:p14="http://schemas.microsoft.com/office/powerpoint/2010/main" val="3747983812"/>
       </p:ext>
     </p:extLst>
   </p:cSld>
@@ -1664,7 +2107,7 @@
           <p:cNvPr id="2" name="Title 1">
             <a:extLst>
               <a:ext uri="{FF2B5EF4-FFF2-40B4-BE49-F238E27FC236}">
-                <a16:creationId xmlns:a16="http://schemas.microsoft.com/office/drawing/2014/main" id="{A11DB343-001E-0FDF-EE60-9F5F14627EB8}"/>
+                <a16:creationId xmlns:a16="http://schemas.microsoft.com/office/drawing/2014/main" id="{4C9B5B79-F0ED-AB52-BC3B-3D35E90F9FF5}"/>
               </a:ext>
             </a:extLst>
           </p:cNvPr>
@@ -1701,7 +2144,7 @@
           <p:cNvPr id="3" name="Text Placeholder 2">
             <a:extLst>
               <a:ext uri="{FF2B5EF4-FFF2-40B4-BE49-F238E27FC236}">
-                <a16:creationId xmlns:a16="http://schemas.microsoft.com/office/drawing/2014/main" id="{18EAD748-95E3-78B8-E4D7-995E38FCC5AB}"/>
+                <a16:creationId xmlns:a16="http://schemas.microsoft.com/office/drawing/2014/main" id="{04C9531C-EFDF-A919-9C35-9C9859C7930A}"/>
               </a:ext>
             </a:extLst>
           </p:cNvPr>
@@ -1826,7 +2269,7 @@
           <p:cNvPr id="4" name="Date Placeholder 3">
             <a:extLst>
               <a:ext uri="{FF2B5EF4-FFF2-40B4-BE49-F238E27FC236}">
-                <a16:creationId xmlns:a16="http://schemas.microsoft.com/office/drawing/2014/main" id="{10158715-D770-23D2-42D8-F781B6A36EAE}"/>
+                <a16:creationId xmlns:a16="http://schemas.microsoft.com/office/drawing/2014/main" id="{EF4A687B-F1EF-F816-A817-0C1A584156F5}"/>
               </a:ext>
             </a:extLst>
           </p:cNvPr>
@@ -1842,9 +2285,9 @@
           <a:bodyPr/>
           <a:lstStyle/>
           <a:p>
-            <a:fld id="{3D362578-C453-4045-B06D-CE5299706B8A}" type="datetimeFigureOut">
+            <a:fld id="{A55429F9-66E5-4D18-AFB1-305331E6C7F9}" type="datetimeFigureOut">
               <a:rPr lang="en-US" smtClean="0"/>
-              <a:t>6/12/2024</a:t>
+              <a:t>5/8/2025</a:t>
             </a:fld>
             <a:endParaRPr lang="en-US"/>
           </a:p>
@@ -1855,7 +2298,7 @@
           <p:cNvPr id="5" name="Footer Placeholder 4">
             <a:extLst>
               <a:ext uri="{FF2B5EF4-FFF2-40B4-BE49-F238E27FC236}">
-                <a16:creationId xmlns:a16="http://schemas.microsoft.com/office/drawing/2014/main" id="{E70BAC0D-E376-B071-B72B-E0856F38D0F3}"/>
+                <a16:creationId xmlns:a16="http://schemas.microsoft.com/office/drawing/2014/main" id="{4D33901E-6164-76E3-6906-6EB1D6DFAA67}"/>
               </a:ext>
             </a:extLst>
           </p:cNvPr>
@@ -1880,7 +2323,7 @@
           <p:cNvPr id="6" name="Slide Number Placeholder 5">
             <a:extLst>
               <a:ext uri="{FF2B5EF4-FFF2-40B4-BE49-F238E27FC236}">
-                <a16:creationId xmlns:a16="http://schemas.microsoft.com/office/drawing/2014/main" id="{75E2AD2E-A791-E470-C23E-4F87D657FE64}"/>
+                <a16:creationId xmlns:a16="http://schemas.microsoft.com/office/drawing/2014/main" id="{04B7020C-B03C-F91F-AC63-4CCB30498CB6}"/>
               </a:ext>
             </a:extLst>
           </p:cNvPr>
@@ -1896,7 +2339,7 @@
           <a:bodyPr/>
           <a:lstStyle/>
           <a:p>
-            <a:fld id="{58D9D324-6F56-4B09-BF63-29DE55D77E0E}" type="slidenum">
+            <a:fld id="{7C86D288-686E-432C-A22C-86A4B97B2E9B}" type="slidenum">
               <a:rPr lang="en-US" smtClean="0"/>
               <a:t>‹#›</a:t>
             </a:fld>
@@ -1907,7 +2350,7 @@
     </p:spTree>
     <p:extLst>
       <p:ext uri="{BB962C8B-B14F-4D97-AF65-F5344CB8AC3E}">
-        <p14:creationId xmlns:p14="http://schemas.microsoft.com/office/powerpoint/2010/main" val="1237272251"/>
+        <p14:creationId xmlns:p14="http://schemas.microsoft.com/office/powerpoint/2010/main" val="722475425"/>
       </p:ext>
     </p:extLst>
   </p:cSld>
@@ -1939,7 +2382,7 @@
           <p:cNvPr id="2" name="Title 1">
             <a:extLst>
               <a:ext uri="{FF2B5EF4-FFF2-40B4-BE49-F238E27FC236}">
-                <a16:creationId xmlns:a16="http://schemas.microsoft.com/office/drawing/2014/main" id="{971E20BB-F736-DBC6-6E83-7B90BD03A910}"/>
+                <a16:creationId xmlns:a16="http://schemas.microsoft.com/office/drawing/2014/main" id="{E5CDB39E-DE25-C635-3B88-E7D9D18BF385}"/>
               </a:ext>
             </a:extLst>
           </p:cNvPr>
@@ -1967,7 +2410,7 @@
           <p:cNvPr id="3" name="Content Placeholder 2">
             <a:extLst>
               <a:ext uri="{FF2B5EF4-FFF2-40B4-BE49-F238E27FC236}">
-                <a16:creationId xmlns:a16="http://schemas.microsoft.com/office/drawing/2014/main" id="{8C703938-E3FD-69CC-5AFF-106B8EF61F51}"/>
+                <a16:creationId xmlns:a16="http://schemas.microsoft.com/office/drawing/2014/main" id="{497CACCE-74E5-5B52-4573-F515327AA85D}"/>
               </a:ext>
             </a:extLst>
           </p:cNvPr>
@@ -2029,7 +2472,7 @@
           <p:cNvPr id="4" name="Content Placeholder 3">
             <a:extLst>
               <a:ext uri="{FF2B5EF4-FFF2-40B4-BE49-F238E27FC236}">
-                <a16:creationId xmlns:a16="http://schemas.microsoft.com/office/drawing/2014/main" id="{0CBEC667-D41C-84CE-92C7-6C3CC0699FC8}"/>
+                <a16:creationId xmlns:a16="http://schemas.microsoft.com/office/drawing/2014/main" id="{932DBB44-DDA8-2698-91A1-42071C8117D0}"/>
               </a:ext>
             </a:extLst>
           </p:cNvPr>
@@ -2091,7 +2534,7 @@
           <p:cNvPr id="5" name="Date Placeholder 4">
             <a:extLst>
               <a:ext uri="{FF2B5EF4-FFF2-40B4-BE49-F238E27FC236}">
-                <a16:creationId xmlns:a16="http://schemas.microsoft.com/office/drawing/2014/main" id="{CEF1B01D-EEBF-3C96-D919-040376FAA26B}"/>
+                <a16:creationId xmlns:a16="http://schemas.microsoft.com/office/drawing/2014/main" id="{A921F3FD-7059-790A-FF70-90A2FDF0D280}"/>
               </a:ext>
             </a:extLst>
           </p:cNvPr>
@@ -2107,9 +2550,9 @@
           <a:bodyPr/>
           <a:lstStyle/>
           <a:p>
-            <a:fld id="{3D362578-C453-4045-B06D-CE5299706B8A}" type="datetimeFigureOut">
+            <a:fld id="{A55429F9-66E5-4D18-AFB1-305331E6C7F9}" type="datetimeFigureOut">
               <a:rPr lang="en-US" smtClean="0"/>
-              <a:t>6/12/2024</a:t>
+              <a:t>5/8/2025</a:t>
             </a:fld>
             <a:endParaRPr lang="en-US"/>
           </a:p>
@@ -2120,7 +2563,7 @@
           <p:cNvPr id="6" name="Footer Placeholder 5">
             <a:extLst>
               <a:ext uri="{FF2B5EF4-FFF2-40B4-BE49-F238E27FC236}">
-                <a16:creationId xmlns:a16="http://schemas.microsoft.com/office/drawing/2014/main" id="{64E4D661-74E9-CE56-24E4-D0AB6573B178}"/>
+                <a16:creationId xmlns:a16="http://schemas.microsoft.com/office/drawing/2014/main" id="{78AD17E4-1D62-DD21-ADC3-070B77F99BE5}"/>
               </a:ext>
             </a:extLst>
           </p:cNvPr>
@@ -2145,7 +2588,7 @@
           <p:cNvPr id="7" name="Slide Number Placeholder 6">
             <a:extLst>
               <a:ext uri="{FF2B5EF4-FFF2-40B4-BE49-F238E27FC236}">
-                <a16:creationId xmlns:a16="http://schemas.microsoft.com/office/drawing/2014/main" id="{2CDC9CA6-A322-8C54-A7AA-4622089E47CB}"/>
+                <a16:creationId xmlns:a16="http://schemas.microsoft.com/office/drawing/2014/main" id="{B3D5866B-EE16-02B7-1EE5-67CC22967F5C}"/>
               </a:ext>
             </a:extLst>
           </p:cNvPr>
@@ -2161,7 +2604,7 @@
           <a:bodyPr/>
           <a:lstStyle/>
           <a:p>
-            <a:fld id="{58D9D324-6F56-4B09-BF63-29DE55D77E0E}" type="slidenum">
+            <a:fld id="{7C86D288-686E-432C-A22C-86A4B97B2E9B}" type="slidenum">
               <a:rPr lang="en-US" smtClean="0"/>
               <a:t>‹#›</a:t>
             </a:fld>
@@ -2172,7 +2615,7 @@
     </p:spTree>
     <p:extLst>
       <p:ext uri="{BB962C8B-B14F-4D97-AF65-F5344CB8AC3E}">
-        <p14:creationId xmlns:p14="http://schemas.microsoft.com/office/powerpoint/2010/main" val="586914511"/>
+        <p14:creationId xmlns:p14="http://schemas.microsoft.com/office/powerpoint/2010/main" val="1345874719"/>
       </p:ext>
     </p:extLst>
   </p:cSld>
@@ -2204,7 +2647,7 @@
           <p:cNvPr id="2" name="Title 1">
             <a:extLst>
               <a:ext uri="{FF2B5EF4-FFF2-40B4-BE49-F238E27FC236}">
-                <a16:creationId xmlns:a16="http://schemas.microsoft.com/office/drawing/2014/main" id="{51FCF110-56DB-383A-CB94-AE6DA34E89E0}"/>
+                <a16:creationId xmlns:a16="http://schemas.microsoft.com/office/drawing/2014/main" id="{D59D6032-F29D-0ED3-5FA3-7194562BCB61}"/>
               </a:ext>
             </a:extLst>
           </p:cNvPr>
@@ -2237,7 +2680,7 @@
           <p:cNvPr id="3" name="Text Placeholder 2">
             <a:extLst>
               <a:ext uri="{FF2B5EF4-FFF2-40B4-BE49-F238E27FC236}">
-                <a16:creationId xmlns:a16="http://schemas.microsoft.com/office/drawing/2014/main" id="{154C0D46-9020-EBEB-2818-7EA90B1EF033}"/>
+                <a16:creationId xmlns:a16="http://schemas.microsoft.com/office/drawing/2014/main" id="{0D0DCB6B-3BBC-34AA-9D0B-B6B6CC65C777}"/>
               </a:ext>
             </a:extLst>
           </p:cNvPr>
@@ -2308,7 +2751,7 @@
           <p:cNvPr id="4" name="Content Placeholder 3">
             <a:extLst>
               <a:ext uri="{FF2B5EF4-FFF2-40B4-BE49-F238E27FC236}">
-                <a16:creationId xmlns:a16="http://schemas.microsoft.com/office/drawing/2014/main" id="{B97EA11E-3608-FA8D-BD85-0CCCD2C63084}"/>
+                <a16:creationId xmlns:a16="http://schemas.microsoft.com/office/drawing/2014/main" id="{13C6870E-DE4E-3CFE-A6E3-A97546E2C6DE}"/>
               </a:ext>
             </a:extLst>
           </p:cNvPr>
@@ -2370,7 +2813,7 @@
           <p:cNvPr id="5" name="Text Placeholder 4">
             <a:extLst>
               <a:ext uri="{FF2B5EF4-FFF2-40B4-BE49-F238E27FC236}">
-                <a16:creationId xmlns:a16="http://schemas.microsoft.com/office/drawing/2014/main" id="{B7692469-A07B-A4C9-F135-C8300E0AB04D}"/>
+                <a16:creationId xmlns:a16="http://schemas.microsoft.com/office/drawing/2014/main" id="{F62F2653-91DA-65DB-D313-E268B7D167B6}"/>
               </a:ext>
             </a:extLst>
           </p:cNvPr>
@@ -2441,7 +2884,7 @@
           <p:cNvPr id="6" name="Content Placeholder 5">
             <a:extLst>
               <a:ext uri="{FF2B5EF4-FFF2-40B4-BE49-F238E27FC236}">
-                <a16:creationId xmlns:a16="http://schemas.microsoft.com/office/drawing/2014/main" id="{230114BE-2145-2781-8946-EF0D005B1F1D}"/>
+                <a16:creationId xmlns:a16="http://schemas.microsoft.com/office/drawing/2014/main" id="{838E0468-4A75-59AB-D7BD-794345E5102B}"/>
               </a:ext>
             </a:extLst>
           </p:cNvPr>
@@ -2503,7 +2946,7 @@
           <p:cNvPr id="7" name="Date Placeholder 6">
             <a:extLst>
               <a:ext uri="{FF2B5EF4-FFF2-40B4-BE49-F238E27FC236}">
-                <a16:creationId xmlns:a16="http://schemas.microsoft.com/office/drawing/2014/main" id="{C60B353C-B3DE-480D-5D44-65A7C0809A34}"/>
+                <a16:creationId xmlns:a16="http://schemas.microsoft.com/office/drawing/2014/main" id="{6B5F7995-8C01-F431-50EF-A791A0D65979}"/>
               </a:ext>
             </a:extLst>
           </p:cNvPr>
@@ -2519,9 +2962,9 @@
           <a:bodyPr/>
           <a:lstStyle/>
           <a:p>
-            <a:fld id="{3D362578-C453-4045-B06D-CE5299706B8A}" type="datetimeFigureOut">
+            <a:fld id="{A55429F9-66E5-4D18-AFB1-305331E6C7F9}" type="datetimeFigureOut">
               <a:rPr lang="en-US" smtClean="0"/>
-              <a:t>6/12/2024</a:t>
+              <a:t>5/8/2025</a:t>
             </a:fld>
             <a:endParaRPr lang="en-US"/>
           </a:p>
@@ -2532,7 +2975,7 @@
           <p:cNvPr id="8" name="Footer Placeholder 7">
             <a:extLst>
               <a:ext uri="{FF2B5EF4-FFF2-40B4-BE49-F238E27FC236}">
-                <a16:creationId xmlns:a16="http://schemas.microsoft.com/office/drawing/2014/main" id="{146DFBB8-2C5F-86EE-7642-2B267AA334EF}"/>
+                <a16:creationId xmlns:a16="http://schemas.microsoft.com/office/drawing/2014/main" id="{5B9EC4D7-A6E3-E28A-327A-5759BF856F23}"/>
               </a:ext>
             </a:extLst>
           </p:cNvPr>
@@ -2557,7 +3000,7 @@
           <p:cNvPr id="9" name="Slide Number Placeholder 8">
             <a:extLst>
               <a:ext uri="{FF2B5EF4-FFF2-40B4-BE49-F238E27FC236}">
-                <a16:creationId xmlns:a16="http://schemas.microsoft.com/office/drawing/2014/main" id="{BA28BD25-721F-CE82-D532-A6164B7BF7BB}"/>
+                <a16:creationId xmlns:a16="http://schemas.microsoft.com/office/drawing/2014/main" id="{FA7E9363-3EC1-5C78-4EC2-75EF03C25BC8}"/>
               </a:ext>
             </a:extLst>
           </p:cNvPr>
@@ -2573,7 +3016,7 @@
           <a:bodyPr/>
           <a:lstStyle/>
           <a:p>
-            <a:fld id="{58D9D324-6F56-4B09-BF63-29DE55D77E0E}" type="slidenum">
+            <a:fld id="{7C86D288-686E-432C-A22C-86A4B97B2E9B}" type="slidenum">
               <a:rPr lang="en-US" smtClean="0"/>
               <a:t>‹#›</a:t>
             </a:fld>
@@ -2584,7 +3027,7 @@
     </p:spTree>
     <p:extLst>
       <p:ext uri="{BB962C8B-B14F-4D97-AF65-F5344CB8AC3E}">
-        <p14:creationId xmlns:p14="http://schemas.microsoft.com/office/powerpoint/2010/main" val="981122530"/>
+        <p14:creationId xmlns:p14="http://schemas.microsoft.com/office/powerpoint/2010/main" val="2859293062"/>
       </p:ext>
     </p:extLst>
   </p:cSld>
@@ -2616,7 +3059,7 @@
           <p:cNvPr id="2" name="Title 1">
             <a:extLst>
               <a:ext uri="{FF2B5EF4-FFF2-40B4-BE49-F238E27FC236}">
-                <a16:creationId xmlns:a16="http://schemas.microsoft.com/office/drawing/2014/main" id="{3AF3F5C4-2C76-B81E-89F9-F9AFDC8D1A34}"/>
+                <a16:creationId xmlns:a16="http://schemas.microsoft.com/office/drawing/2014/main" id="{3460A806-E808-31CE-9106-68EED6DBC0C1}"/>
               </a:ext>
             </a:extLst>
           </p:cNvPr>
@@ -2644,7 +3087,7 @@
           <p:cNvPr id="3" name="Date Placeholder 2">
             <a:extLst>
               <a:ext uri="{FF2B5EF4-FFF2-40B4-BE49-F238E27FC236}">
-                <a16:creationId xmlns:a16="http://schemas.microsoft.com/office/drawing/2014/main" id="{67CE1744-6959-3BC5-FCB3-0814B241960C}"/>
+                <a16:creationId xmlns:a16="http://schemas.microsoft.com/office/drawing/2014/main" id="{0AB9BCC5-39FF-A363-E59A-1826D2D1B486}"/>
               </a:ext>
             </a:extLst>
           </p:cNvPr>
@@ -2660,9 +3103,9 @@
           <a:bodyPr/>
           <a:lstStyle/>
           <a:p>
-            <a:fld id="{3D362578-C453-4045-B06D-CE5299706B8A}" type="datetimeFigureOut">
+            <a:fld id="{A55429F9-66E5-4D18-AFB1-305331E6C7F9}" type="datetimeFigureOut">
               <a:rPr lang="en-US" smtClean="0"/>
-              <a:t>6/12/2024</a:t>
+              <a:t>5/8/2025</a:t>
             </a:fld>
             <a:endParaRPr lang="en-US"/>
           </a:p>
@@ -2673,7 +3116,7 @@
           <p:cNvPr id="4" name="Footer Placeholder 3">
             <a:extLst>
               <a:ext uri="{FF2B5EF4-FFF2-40B4-BE49-F238E27FC236}">
-                <a16:creationId xmlns:a16="http://schemas.microsoft.com/office/drawing/2014/main" id="{13D32668-D131-999B-853C-6C24B150B236}"/>
+                <a16:creationId xmlns:a16="http://schemas.microsoft.com/office/drawing/2014/main" id="{491CEB5A-EF60-F9F2-4FAC-EF5956A43947}"/>
               </a:ext>
             </a:extLst>
           </p:cNvPr>
@@ -2698,7 +3141,7 @@
           <p:cNvPr id="5" name="Slide Number Placeholder 4">
             <a:extLst>
               <a:ext uri="{FF2B5EF4-FFF2-40B4-BE49-F238E27FC236}">
-                <a16:creationId xmlns:a16="http://schemas.microsoft.com/office/drawing/2014/main" id="{A5B23257-F265-2144-2528-00CEF8249BD9}"/>
+                <a16:creationId xmlns:a16="http://schemas.microsoft.com/office/drawing/2014/main" id="{12EC31C4-29AF-48A9-B961-1B49987A46CD}"/>
               </a:ext>
             </a:extLst>
           </p:cNvPr>
@@ -2714,7 +3157,7 @@
           <a:bodyPr/>
           <a:lstStyle/>
           <a:p>
-            <a:fld id="{58D9D324-6F56-4B09-BF63-29DE55D77E0E}" type="slidenum">
+            <a:fld id="{7C86D288-686E-432C-A22C-86A4B97B2E9B}" type="slidenum">
               <a:rPr lang="en-US" smtClean="0"/>
               <a:t>‹#›</a:t>
             </a:fld>
@@ -2725,7 +3168,7 @@
     </p:spTree>
     <p:extLst>
       <p:ext uri="{BB962C8B-B14F-4D97-AF65-F5344CB8AC3E}">
-        <p14:creationId xmlns:p14="http://schemas.microsoft.com/office/powerpoint/2010/main" val="3804833654"/>
+        <p14:creationId xmlns:p14="http://schemas.microsoft.com/office/powerpoint/2010/main" val="2679144388"/>
       </p:ext>
     </p:extLst>
   </p:cSld>
@@ -2757,7 +3200,7 @@
           <p:cNvPr id="2" name="Date Placeholder 1">
             <a:extLst>
               <a:ext uri="{FF2B5EF4-FFF2-40B4-BE49-F238E27FC236}">
-                <a16:creationId xmlns:a16="http://schemas.microsoft.com/office/drawing/2014/main" id="{DE979748-B99D-86B8-2236-B88EEA62DCB2}"/>
+                <a16:creationId xmlns:a16="http://schemas.microsoft.com/office/drawing/2014/main" id="{3865ACC8-ADB3-265A-8EE4-50F69D4B235A}"/>
               </a:ext>
             </a:extLst>
           </p:cNvPr>
@@ -2773,9 +3216,9 @@
           <a:bodyPr/>
           <a:lstStyle/>
           <a:p>
-            <a:fld id="{3D362578-C453-4045-B06D-CE5299706B8A}" type="datetimeFigureOut">
+            <a:fld id="{A55429F9-66E5-4D18-AFB1-305331E6C7F9}" type="datetimeFigureOut">
               <a:rPr lang="en-US" smtClean="0"/>
-              <a:t>6/12/2024</a:t>
+              <a:t>5/8/2025</a:t>
             </a:fld>
             <a:endParaRPr lang="en-US"/>
           </a:p>
@@ -2786,7 +3229,7 @@
           <p:cNvPr id="3" name="Footer Placeholder 2">
             <a:extLst>
               <a:ext uri="{FF2B5EF4-FFF2-40B4-BE49-F238E27FC236}">
-                <a16:creationId xmlns:a16="http://schemas.microsoft.com/office/drawing/2014/main" id="{1F09C969-30A7-C009-2BA2-098E4121B5FF}"/>
+                <a16:creationId xmlns:a16="http://schemas.microsoft.com/office/drawing/2014/main" id="{58BB84BD-7CE0-4D7D-FFA1-BA3AB6DCC0C9}"/>
               </a:ext>
             </a:extLst>
           </p:cNvPr>
@@ -2811,7 +3254,7 @@
           <p:cNvPr id="4" name="Slide Number Placeholder 3">
             <a:extLst>
               <a:ext uri="{FF2B5EF4-FFF2-40B4-BE49-F238E27FC236}">
-                <a16:creationId xmlns:a16="http://schemas.microsoft.com/office/drawing/2014/main" id="{774F70EE-2EF9-D6C0-577B-7E8D3E849B5A}"/>
+                <a16:creationId xmlns:a16="http://schemas.microsoft.com/office/drawing/2014/main" id="{A9F60CD8-2AAE-13C3-932A-F62446B03CF5}"/>
               </a:ext>
             </a:extLst>
           </p:cNvPr>
@@ -2827,7 +3270,7 @@
           <a:bodyPr/>
           <a:lstStyle/>
           <a:p>
-            <a:fld id="{58D9D324-6F56-4B09-BF63-29DE55D77E0E}" type="slidenum">
+            <a:fld id="{7C86D288-686E-432C-A22C-86A4B97B2E9B}" type="slidenum">
               <a:rPr lang="en-US" smtClean="0"/>
               <a:t>‹#›</a:t>
             </a:fld>
@@ -2838,7 +3281,7 @@
     </p:spTree>
     <p:extLst>
       <p:ext uri="{BB962C8B-B14F-4D97-AF65-F5344CB8AC3E}">
-        <p14:creationId xmlns:p14="http://schemas.microsoft.com/office/powerpoint/2010/main" val="2684504935"/>
+        <p14:creationId xmlns:p14="http://schemas.microsoft.com/office/powerpoint/2010/main" val="82345777"/>
       </p:ext>
     </p:extLst>
   </p:cSld>
@@ -2870,7 +3313,7 @@
           <p:cNvPr id="2" name="Title 1">
             <a:extLst>
               <a:ext uri="{FF2B5EF4-FFF2-40B4-BE49-F238E27FC236}">
-                <a16:creationId xmlns:a16="http://schemas.microsoft.com/office/drawing/2014/main" id="{8F083437-3808-8C80-1113-88DE75FB7F86}"/>
+                <a16:creationId xmlns:a16="http://schemas.microsoft.com/office/drawing/2014/main" id="{0490414A-A451-747A-A396-12FAEC73F332}"/>
               </a:ext>
             </a:extLst>
           </p:cNvPr>
@@ -2907,7 +3350,7 @@
           <p:cNvPr id="3" name="Content Placeholder 2">
             <a:extLst>
               <a:ext uri="{FF2B5EF4-FFF2-40B4-BE49-F238E27FC236}">
-                <a16:creationId xmlns:a16="http://schemas.microsoft.com/office/drawing/2014/main" id="{96F4717D-9B64-0A64-FF88-1B22A67880EC}"/>
+                <a16:creationId xmlns:a16="http://schemas.microsoft.com/office/drawing/2014/main" id="{3D2335C4-F59C-3306-73CF-1E2F7D34859E}"/>
               </a:ext>
             </a:extLst>
           </p:cNvPr>
@@ -2997,7 +3440,7 @@
           <p:cNvPr id="4" name="Text Placeholder 3">
             <a:extLst>
               <a:ext uri="{FF2B5EF4-FFF2-40B4-BE49-F238E27FC236}">
-                <a16:creationId xmlns:a16="http://schemas.microsoft.com/office/drawing/2014/main" id="{1BEB499E-6B02-944B-FAD8-94D3BC690E6D}"/>
+                <a16:creationId xmlns:a16="http://schemas.microsoft.com/office/drawing/2014/main" id="{D2FA650A-8AE2-0045-DCA5-D4D0C98CF848}"/>
               </a:ext>
             </a:extLst>
           </p:cNvPr>
@@ -3068,7 +3511,7 @@
           <p:cNvPr id="5" name="Date Placeholder 4">
             <a:extLst>
               <a:ext uri="{FF2B5EF4-FFF2-40B4-BE49-F238E27FC236}">
-                <a16:creationId xmlns:a16="http://schemas.microsoft.com/office/drawing/2014/main" id="{29998997-1A2C-CCB5-0F85-20815E16BC34}"/>
+                <a16:creationId xmlns:a16="http://schemas.microsoft.com/office/drawing/2014/main" id="{0A4C80AB-B373-349D-99D5-5B4C20B9BB4F}"/>
               </a:ext>
             </a:extLst>
           </p:cNvPr>
@@ -3084,9 +3527,9 @@
           <a:bodyPr/>
           <a:lstStyle/>
           <a:p>
-            <a:fld id="{3D362578-C453-4045-B06D-CE5299706B8A}" type="datetimeFigureOut">
+            <a:fld id="{A55429F9-66E5-4D18-AFB1-305331E6C7F9}" type="datetimeFigureOut">
               <a:rPr lang="en-US" smtClean="0"/>
-              <a:t>6/12/2024</a:t>
+              <a:t>5/8/2025</a:t>
             </a:fld>
             <a:endParaRPr lang="en-US"/>
           </a:p>
@@ -3097,7 +3540,7 @@
           <p:cNvPr id="6" name="Footer Placeholder 5">
             <a:extLst>
               <a:ext uri="{FF2B5EF4-FFF2-40B4-BE49-F238E27FC236}">
-                <a16:creationId xmlns:a16="http://schemas.microsoft.com/office/drawing/2014/main" id="{33FEB378-23DD-D06D-9EC6-20418DE05C0E}"/>
+                <a16:creationId xmlns:a16="http://schemas.microsoft.com/office/drawing/2014/main" id="{E5398E4C-C575-8E69-5D42-8A8424BA831B}"/>
               </a:ext>
             </a:extLst>
           </p:cNvPr>
@@ -3122,7 +3565,7 @@
           <p:cNvPr id="7" name="Slide Number Placeholder 6">
             <a:extLst>
               <a:ext uri="{FF2B5EF4-FFF2-40B4-BE49-F238E27FC236}">
-                <a16:creationId xmlns:a16="http://schemas.microsoft.com/office/drawing/2014/main" id="{011FB71E-1FF5-17AE-B114-466B7E1849C0}"/>
+                <a16:creationId xmlns:a16="http://schemas.microsoft.com/office/drawing/2014/main" id="{0F19007B-E833-1AF3-A64F-F03A99CFEE3B}"/>
               </a:ext>
             </a:extLst>
           </p:cNvPr>
@@ -3138,7 +3581,7 @@
           <a:bodyPr/>
           <a:lstStyle/>
           <a:p>
-            <a:fld id="{58D9D324-6F56-4B09-BF63-29DE55D77E0E}" type="slidenum">
+            <a:fld id="{7C86D288-686E-432C-A22C-86A4B97B2E9B}" type="slidenum">
               <a:rPr lang="en-US" smtClean="0"/>
               <a:t>‹#›</a:t>
             </a:fld>
@@ -3149,7 +3592,7 @@
     </p:spTree>
     <p:extLst>
       <p:ext uri="{BB962C8B-B14F-4D97-AF65-F5344CB8AC3E}">
-        <p14:creationId xmlns:p14="http://schemas.microsoft.com/office/powerpoint/2010/main" val="3820333052"/>
+        <p14:creationId xmlns:p14="http://schemas.microsoft.com/office/powerpoint/2010/main" val="2352020752"/>
       </p:ext>
     </p:extLst>
   </p:cSld>
@@ -3181,7 +3624,7 @@
           <p:cNvPr id="2" name="Title 1">
             <a:extLst>
               <a:ext uri="{FF2B5EF4-FFF2-40B4-BE49-F238E27FC236}">
-                <a16:creationId xmlns:a16="http://schemas.microsoft.com/office/drawing/2014/main" id="{052D0807-CA63-2195-D268-0D835CCF2377}"/>
+                <a16:creationId xmlns:a16="http://schemas.microsoft.com/office/drawing/2014/main" id="{3072ACC4-EDC3-559F-5B06-131635E7E315}"/>
               </a:ext>
             </a:extLst>
           </p:cNvPr>
@@ -3218,7 +3661,7 @@
           <p:cNvPr id="3" name="Picture Placeholder 2">
             <a:extLst>
               <a:ext uri="{FF2B5EF4-FFF2-40B4-BE49-F238E27FC236}">
-                <a16:creationId xmlns:a16="http://schemas.microsoft.com/office/drawing/2014/main" id="{A90526A7-3826-198A-138F-95C5C3DA72CA}"/>
+                <a16:creationId xmlns:a16="http://schemas.microsoft.com/office/drawing/2014/main" id="{36DEF190-B822-071D-8422-912CDF012954}"/>
               </a:ext>
             </a:extLst>
           </p:cNvPr>
@@ -3285,7 +3728,7 @@
           <p:cNvPr id="4" name="Text Placeholder 3">
             <a:extLst>
               <a:ext uri="{FF2B5EF4-FFF2-40B4-BE49-F238E27FC236}">
-                <a16:creationId xmlns:a16="http://schemas.microsoft.com/office/drawing/2014/main" id="{AB75B36A-2A9F-F070-8968-77A716C67E71}"/>
+                <a16:creationId xmlns:a16="http://schemas.microsoft.com/office/drawing/2014/main" id="{D25CE244-6E58-D445-D3BB-76B18D0EF0C2}"/>
               </a:ext>
             </a:extLst>
           </p:cNvPr>
@@ -3356,7 +3799,7 @@
           <p:cNvPr id="5" name="Date Placeholder 4">
             <a:extLst>
               <a:ext uri="{FF2B5EF4-FFF2-40B4-BE49-F238E27FC236}">
-                <a16:creationId xmlns:a16="http://schemas.microsoft.com/office/drawing/2014/main" id="{EF74E187-4820-7E41-997B-6BD9D1EF4ABD}"/>
+                <a16:creationId xmlns:a16="http://schemas.microsoft.com/office/drawing/2014/main" id="{5681BFFB-6BD9-0CF2-9E78-0704B52E8DAF}"/>
               </a:ext>
             </a:extLst>
           </p:cNvPr>
@@ -3372,9 +3815,9 @@
           <a:bodyPr/>
           <a:lstStyle/>
           <a:p>
-            <a:fld id="{3D362578-C453-4045-B06D-CE5299706B8A}" type="datetimeFigureOut">
+            <a:fld id="{A55429F9-66E5-4D18-AFB1-305331E6C7F9}" type="datetimeFigureOut">
               <a:rPr lang="en-US" smtClean="0"/>
-              <a:t>6/12/2024</a:t>
+              <a:t>5/8/2025</a:t>
             </a:fld>
             <a:endParaRPr lang="en-US"/>
           </a:p>
@@ -3385,7 +3828,7 @@
           <p:cNvPr id="6" name="Footer Placeholder 5">
             <a:extLst>
               <a:ext uri="{FF2B5EF4-FFF2-40B4-BE49-F238E27FC236}">
-                <a16:creationId xmlns:a16="http://schemas.microsoft.com/office/drawing/2014/main" id="{8C450AD3-2AA5-C31D-0CE1-E3EA101A6F89}"/>
+                <a16:creationId xmlns:a16="http://schemas.microsoft.com/office/drawing/2014/main" id="{DFD955BE-FBC5-25C9-6F6E-514EB98A06BA}"/>
               </a:ext>
             </a:extLst>
           </p:cNvPr>
@@ -3410,7 +3853,7 @@
           <p:cNvPr id="7" name="Slide Number Placeholder 6">
             <a:extLst>
               <a:ext uri="{FF2B5EF4-FFF2-40B4-BE49-F238E27FC236}">
-                <a16:creationId xmlns:a16="http://schemas.microsoft.com/office/drawing/2014/main" id="{A999055F-9CDE-C836-67CD-1E70C24DFA17}"/>
+                <a16:creationId xmlns:a16="http://schemas.microsoft.com/office/drawing/2014/main" id="{0A030F87-989E-9FD9-416B-CFEBC8820492}"/>
               </a:ext>
             </a:extLst>
           </p:cNvPr>
@@ -3426,7 +3869,7 @@
           <a:bodyPr/>
           <a:lstStyle/>
           <a:p>
-            <a:fld id="{58D9D324-6F56-4B09-BF63-29DE55D77E0E}" type="slidenum">
+            <a:fld id="{7C86D288-686E-432C-A22C-86A4B97B2E9B}" type="slidenum">
               <a:rPr lang="en-US" smtClean="0"/>
               <a:t>‹#›</a:t>
             </a:fld>
@@ -3437,7 +3880,7 @@
     </p:spTree>
     <p:extLst>
       <p:ext uri="{BB962C8B-B14F-4D97-AF65-F5344CB8AC3E}">
-        <p14:creationId xmlns:p14="http://schemas.microsoft.com/office/powerpoint/2010/main" val="2146814593"/>
+        <p14:creationId xmlns:p14="http://schemas.microsoft.com/office/powerpoint/2010/main" val="945080366"/>
       </p:ext>
     </p:extLst>
   </p:cSld>
@@ -3474,7 +3917,7 @@
           <p:cNvPr id="2" name="Title Placeholder 1">
             <a:extLst>
               <a:ext uri="{FF2B5EF4-FFF2-40B4-BE49-F238E27FC236}">
-                <a16:creationId xmlns:a16="http://schemas.microsoft.com/office/drawing/2014/main" id="{476A0CD4-E855-455F-EE5A-49E6B4E200F9}"/>
+                <a16:creationId xmlns:a16="http://schemas.microsoft.com/office/drawing/2014/main" id="{F56EDD98-CE1C-F84F-A469-91F82588DECF}"/>
               </a:ext>
             </a:extLst>
           </p:cNvPr>
@@ -3512,7 +3955,7 @@
           <p:cNvPr id="3" name="Text Placeholder 2">
             <a:extLst>
               <a:ext uri="{FF2B5EF4-FFF2-40B4-BE49-F238E27FC236}">
-                <a16:creationId xmlns:a16="http://schemas.microsoft.com/office/drawing/2014/main" id="{48724B11-A949-351B-61B1-E01F8A845A22}"/>
+                <a16:creationId xmlns:a16="http://schemas.microsoft.com/office/drawing/2014/main" id="{0F2FCCDF-A056-839F-E084-8DD8C575BCE5}"/>
               </a:ext>
             </a:extLst>
           </p:cNvPr>
@@ -3579,7 +4022,7 @@
           <p:cNvPr id="4" name="Date Placeholder 3">
             <a:extLst>
               <a:ext uri="{FF2B5EF4-FFF2-40B4-BE49-F238E27FC236}">
-                <a16:creationId xmlns:a16="http://schemas.microsoft.com/office/drawing/2014/main" id="{8307EE57-F833-D78E-2483-8690CBD42CAB}"/>
+                <a16:creationId xmlns:a16="http://schemas.microsoft.com/office/drawing/2014/main" id="{DDA48093-A5BC-AAD9-87B5-2CB688779101}"/>
               </a:ext>
             </a:extLst>
           </p:cNvPr>
@@ -3613,9 +4056,9 @@
             </a:lvl1pPr>
           </a:lstStyle>
           <a:p>
-            <a:fld id="{3D362578-C453-4045-B06D-CE5299706B8A}" type="datetimeFigureOut">
+            <a:fld id="{A55429F9-66E5-4D18-AFB1-305331E6C7F9}" type="datetimeFigureOut">
               <a:rPr lang="en-US" smtClean="0"/>
-              <a:t>6/12/2024</a:t>
+              <a:t>5/8/2025</a:t>
             </a:fld>
             <a:endParaRPr lang="en-US"/>
           </a:p>
@@ -3626,7 +4069,7 @@
           <p:cNvPr id="5" name="Footer Placeholder 4">
             <a:extLst>
               <a:ext uri="{FF2B5EF4-FFF2-40B4-BE49-F238E27FC236}">
-                <a16:creationId xmlns:a16="http://schemas.microsoft.com/office/drawing/2014/main" id="{374DBE0C-45D5-0404-C329-62614A1A88E1}"/>
+                <a16:creationId xmlns:a16="http://schemas.microsoft.com/office/drawing/2014/main" id="{8CCE2238-41C0-3795-D653-A75A70EA500D}"/>
               </a:ext>
             </a:extLst>
           </p:cNvPr>
@@ -3669,7 +4112,7 @@
           <p:cNvPr id="6" name="Slide Number Placeholder 5">
             <a:extLst>
               <a:ext uri="{FF2B5EF4-FFF2-40B4-BE49-F238E27FC236}">
-                <a16:creationId xmlns:a16="http://schemas.microsoft.com/office/drawing/2014/main" id="{18F17EF7-CF7B-8949-CA7E-B14C241D3381}"/>
+                <a16:creationId xmlns:a16="http://schemas.microsoft.com/office/drawing/2014/main" id="{224FA25D-6E62-3F8F-7CEA-1638C4DF8A1F}"/>
               </a:ext>
             </a:extLst>
           </p:cNvPr>
@@ -3703,7 +4146,7 @@
             </a:lvl1pPr>
           </a:lstStyle>
           <a:p>
-            <a:fld id="{58D9D324-6F56-4B09-BF63-29DE55D77E0E}" type="slidenum">
+            <a:fld id="{7C86D288-686E-432C-A22C-86A4B97B2E9B}" type="slidenum">
               <a:rPr lang="en-US" smtClean="0"/>
               <a:t>‹#›</a:t>
             </a:fld>
@@ -3714,7 +4157,7 @@
     </p:spTree>
     <p:extLst>
       <p:ext uri="{BB962C8B-B14F-4D97-AF65-F5344CB8AC3E}">
-        <p14:creationId xmlns:p14="http://schemas.microsoft.com/office/powerpoint/2010/main" val="3373367008"/>
+        <p14:creationId xmlns:p14="http://schemas.microsoft.com/office/powerpoint/2010/main" val="812426019"/>
       </p:ext>
     </p:extLst>
   </p:cSld>
@@ -4037,6 +4480,64 @@
           <p:cNvPr id="2" name="Title 1">
             <a:extLst>
               <a:ext uri="{FF2B5EF4-FFF2-40B4-BE49-F238E27FC236}">
+                <a16:creationId xmlns:a16="http://schemas.microsoft.com/office/drawing/2014/main" id="{C2D07E14-CEED-1DD8-31CF-386149C83BFC}"/>
+              </a:ext>
+            </a:extLst>
+          </p:cNvPr>
+          <p:cNvSpPr>
+            <a:spLocks noGrp="1"/>
+          </p:cNvSpPr>
+          <p:nvPr>
+            <p:ph type="ctrTitle"/>
+          </p:nvPr>
+        </p:nvSpPr>
+        <p:spPr/>
+        <p:txBody>
+          <a:bodyPr/>
+          <a:lstStyle/>
+          <a:p>
+            <a:r>
+              <a:rPr lang="en-US" dirty="0"/>
+              <a:t>Mini-module 3: Waves, Energy, and Light</a:t>
+            </a:r>
+          </a:p>
+        </p:txBody>
+      </p:sp>
+    </p:spTree>
+    <p:extLst>
+      <p:ext uri="{BB962C8B-B14F-4D97-AF65-F5344CB8AC3E}">
+        <p14:creationId xmlns:p14="http://schemas.microsoft.com/office/powerpoint/2010/main" val="1074171372"/>
+      </p:ext>
+    </p:extLst>
+  </p:cSld>
+  <p:clrMapOvr>
+    <a:masterClrMapping/>
+  </p:clrMapOvr>
+</p:sld>
+</file>
+
+<file path=ppt/slides/slide2.xml><?xml version="1.0" encoding="utf-8"?>
+<p:sld xmlns:a="http://schemas.openxmlformats.org/drawingml/2006/main" xmlns:r="http://schemas.openxmlformats.org/officeDocument/2006/relationships" xmlns:p="http://schemas.openxmlformats.org/presentationml/2006/main">
+  <p:cSld>
+    <p:spTree>
+      <p:nvGrpSpPr>
+        <p:cNvPr id="1" name=""/>
+        <p:cNvGrpSpPr/>
+        <p:nvPr/>
+      </p:nvGrpSpPr>
+      <p:grpSpPr>
+        <a:xfrm>
+          <a:off x="0" y="0"/>
+          <a:ext cx="0" cy="0"/>
+          <a:chOff x="0" y="0"/>
+          <a:chExt cx="0" cy="0"/>
+        </a:xfrm>
+      </p:grpSpPr>
+      <p:sp>
+        <p:nvSpPr>
+          <p:cNvPr id="2" name="Title 1">
+            <a:extLst>
+              <a:ext uri="{FF2B5EF4-FFF2-40B4-BE49-F238E27FC236}">
                 <a16:creationId xmlns:a16="http://schemas.microsoft.com/office/drawing/2014/main" id="{0032D3F7-2DE3-1AF9-8F00-45C9F8454425}"/>
               </a:ext>
             </a:extLst>
@@ -4079,7 +4580,7 @@
         <p:spPr/>
         <p:txBody>
           <a:bodyPr vert="horz" lIns="91440" tIns="45720" rIns="91440" bIns="45720" rtlCol="0" anchor="t">
-            <a:normAutofit/>
+            <a:normAutofit fontScale="92500" lnSpcReduction="10000"/>
           </a:bodyPr>
           <a:lstStyle/>
           <a:p>
@@ -4087,86 +4588,56 @@
               <a:buNone/>
             </a:pPr>
             <a:r>
-              <a:rPr lang="en-US"/>
+              <a:rPr lang="en-US" dirty="0"/>
               <a:t>Learning Outcomes:</a:t>
             </a:r>
           </a:p>
           <a:p>
             <a:r>
-              <a:rPr lang="en-US"/>
-              <a:t>Connect information about waves with color</a:t>
-            </a:r>
-          </a:p>
-          <a:p>
-            <a:r>
-              <a:rPr lang="en-US"/>
-              <a:t>Waves have two key features: height (amplitude) and wavelength (frequency)</a:t>
-            </a:r>
-          </a:p>
-          <a:p>
-            <a:r>
-              <a:rPr lang="en-US"/>
-              <a:t>Wavelength directly corresponds with energy and color</a:t>
-            </a:r>
-          </a:p>
-          <a:p>
-            <a:endParaRPr lang="en-US"/>
-          </a:p>
-          <a:p>
-            <a:endParaRPr lang="en-US"/>
+              <a:rPr lang="en-US" dirty="0">
+                <a:solidFill>
+                  <a:srgbClr val="333333"/>
+                </a:solidFill>
+                <a:latin typeface="Helvetica Neue"/>
+              </a:rPr>
+              <a:t>HS-PS3-1 Create a computational model to calculate the change in the energy of one component in a system when the change in energy of the other component(s) and energy flows in and out of the system are known.</a:t>
+            </a:r>
+          </a:p>
+          <a:p>
+            <a:r>
+              <a:rPr lang="en-US" dirty="0">
+                <a:solidFill>
+                  <a:srgbClr val="333333"/>
+                </a:solidFill>
+                <a:latin typeface="Helvetica Neue"/>
+              </a:rPr>
+              <a:t>HS-PS4-1. Use mathematical representations to support a claim regarding relationships among the frequency, wavelength, and speed of waves traveling in various media.</a:t>
+            </a:r>
+          </a:p>
+          <a:p>
+            <a:r>
+              <a:rPr lang="en-US" dirty="0">
+                <a:solidFill>
+                  <a:srgbClr val="333333"/>
+                </a:solidFill>
+                <a:latin typeface="Helvetica Neue"/>
+              </a:rPr>
+              <a:t>HS-PS4-4. Evaluate the validity and reliability of claims in published materials of the effects that different frequencies of electromagnetic radiation have when absorbed by matter. </a:t>
+            </a:r>
+          </a:p>
+          <a:p>
+            <a:endParaRPr lang="en-US" dirty="0">
+              <a:solidFill>
+                <a:srgbClr val="333333"/>
+              </a:solidFill>
+              <a:latin typeface="Helvetica Neue"/>
+            </a:endParaRPr>
           </a:p>
           <a:p>
             <a:pPr marL="0" indent="0">
               <a:buNone/>
             </a:pPr>
-            <a:endParaRPr lang="en-US"/>
-          </a:p>
-        </p:txBody>
-      </p:sp>
-      <p:sp>
-        <p:nvSpPr>
-          <p:cNvPr id="6" name="TextBox 5">
-            <a:extLst>
-              <a:ext uri="{FF2B5EF4-FFF2-40B4-BE49-F238E27FC236}">
-                <a16:creationId xmlns:a16="http://schemas.microsoft.com/office/drawing/2014/main" id="{920641D7-15D6-6647-2A47-16596FC68510}"/>
-              </a:ext>
-            </a:extLst>
-          </p:cNvPr>
-          <p:cNvSpPr txBox="1"/>
-          <p:nvPr/>
-        </p:nvSpPr>
-        <p:spPr>
-          <a:xfrm>
-            <a:off x="518583" y="4394111"/>
-            <a:ext cx="11156950" cy="1384995"/>
-          </a:xfrm>
-          <a:prstGeom prst="rect">
-            <a:avLst/>
-          </a:prstGeom>
-          <a:noFill/>
-        </p:spPr>
-        <p:txBody>
-          <a:bodyPr wrap="square">
-            <a:spAutoFit/>
-          </a:bodyPr>
-          <a:lstStyle/>
-          <a:p>
-            <a:pPr lvl="1"/>
-            <a:r>
-              <a:rPr lang="en-US" sz="2800"/>
-              <a:t>Waves, Energy and Color Model: </a:t>
-            </a:r>
-          </a:p>
-          <a:p>
-            <a:pPr lvl="2"/>
-            <a:r>
-              <a:rPr lang="en-US" sz="2800">
-                <a:ea typeface="+mn-lt"/>
-                <a:cs typeface="+mn-lt"/>
-                <a:hlinkClick r:id="rId3"/>
-              </a:rPr>
-              <a:t>https://colab.research.google.com/drive/1T24gHsLOOBCJUwu2G1s1YmwRjSd5Yccd?usp=sharing</a:t>
-            </a:r>
+            <a:endParaRPr lang="en-US" dirty="0"/>
           </a:p>
         </p:txBody>
       </p:sp>
@@ -4228,10 +4699,10 @@
           <p:nvPr/>
         </p:nvPicPr>
         <p:blipFill>
-          <a:blip r:embed="rId4">
+          <a:blip r:embed="rId3">
             <a:extLst>
               <a:ext uri="{96DAC541-7B7A-43D3-8B79-37D633B846F1}">
-                <asvg:svgBlip xmlns:asvg="http://schemas.microsoft.com/office/drawing/2016/SVG/main" r:embed="rId5"/>
+                <asvg:svgBlip xmlns:asvg="http://schemas.microsoft.com/office/drawing/2016/SVG/main" r:embed="rId4"/>
               </a:ext>
             </a:extLst>
           </a:blip>
@@ -4262,7 +4733,7 @@
 </p:sld>
 </file>
 
-<file path=ppt/slides/slide2.xml><?xml version="1.0" encoding="utf-8"?>
+<file path=ppt/slides/slide3.xml><?xml version="1.0" encoding="utf-8"?>
 <p:sld xmlns:a="http://schemas.openxmlformats.org/drawingml/2006/main" xmlns:r="http://schemas.openxmlformats.org/officeDocument/2006/relationships" xmlns:p="http://schemas.openxmlformats.org/presentationml/2006/main">
   <p:cSld>
     <p:spTree>
@@ -4284,6 +4755,141 @@
           <p:cNvPr id="2" name="Title 1">
             <a:extLst>
               <a:ext uri="{FF2B5EF4-FFF2-40B4-BE49-F238E27FC236}">
+                <a16:creationId xmlns:a16="http://schemas.microsoft.com/office/drawing/2014/main" id="{8E4D1602-8906-6450-AE95-FBB9716C4EE1}"/>
+              </a:ext>
+            </a:extLst>
+          </p:cNvPr>
+          <p:cNvSpPr>
+            <a:spLocks noGrp="1"/>
+          </p:cNvSpPr>
+          <p:nvPr>
+            <p:ph type="title"/>
+          </p:nvPr>
+        </p:nvSpPr>
+        <p:spPr/>
+        <p:txBody>
+          <a:bodyPr/>
+          <a:lstStyle/>
+          <a:p>
+            <a:r>
+              <a:rPr lang="en-US" dirty="0"/>
+              <a:t>Online Lesson</a:t>
+            </a:r>
+          </a:p>
+        </p:txBody>
+      </p:sp>
+      <p:sp>
+        <p:nvSpPr>
+          <p:cNvPr id="4" name="TextBox 3">
+            <a:extLst>
+              <a:ext uri="{FF2B5EF4-FFF2-40B4-BE49-F238E27FC236}">
+                <a16:creationId xmlns:a16="http://schemas.microsoft.com/office/drawing/2014/main" id="{559E9CDC-C0B7-2F0D-1DDD-CB707A1CCC0B}"/>
+              </a:ext>
+            </a:extLst>
+          </p:cNvPr>
+          <p:cNvSpPr txBox="1"/>
+          <p:nvPr/>
+        </p:nvSpPr>
+        <p:spPr>
+          <a:xfrm>
+            <a:off x="518583" y="5194211"/>
+            <a:ext cx="11156950" cy="1261884"/>
+          </a:xfrm>
+          <a:prstGeom prst="rect">
+            <a:avLst/>
+          </a:prstGeom>
+          <a:noFill/>
+        </p:spPr>
+        <p:txBody>
+          <a:bodyPr wrap="square" lIns="91440" tIns="45720" rIns="91440" bIns="45720" anchor="t">
+            <a:spAutoFit/>
+          </a:bodyPr>
+          <a:lstStyle/>
+          <a:p>
+            <a:pPr lvl="1"/>
+            <a:r>
+              <a:rPr lang="en-US" sz="2800" dirty="0"/>
+              <a:t>Waves, Energy and Color Model:  (moving to Kaggle?)</a:t>
+            </a:r>
+          </a:p>
+          <a:p>
+            <a:pPr lvl="2"/>
+            <a:r>
+              <a:rPr lang="en-US" sz="2400" dirty="0">
+                <a:ea typeface="+mn-lt"/>
+                <a:cs typeface="+mn-lt"/>
+                <a:hlinkClick r:id="rId2"/>
+              </a:rPr>
+              <a:t>https://github.com/megan-r-brown/Exploring-the-role-of-Materials-Chemistry-Biology-and-Electronics-in-Smartphones</a:t>
+            </a:r>
+          </a:p>
+        </p:txBody>
+      </p:sp>
+      <p:pic>
+        <p:nvPicPr>
+          <p:cNvPr id="6" name="Picture 5">
+            <a:extLst>
+              <a:ext uri="{FF2B5EF4-FFF2-40B4-BE49-F238E27FC236}">
+                <a16:creationId xmlns:a16="http://schemas.microsoft.com/office/drawing/2014/main" id="{39EF0BFA-0635-CB3B-EB1F-BE7CF1EAC4B4}"/>
+              </a:ext>
+            </a:extLst>
+          </p:cNvPr>
+          <p:cNvPicPr>
+            <a:picLocks noChangeAspect="1"/>
+          </p:cNvPicPr>
+          <p:nvPr/>
+        </p:nvPicPr>
+        <p:blipFill>
+          <a:blip r:embed="rId3"/>
+          <a:stretch>
+            <a:fillRect/>
+          </a:stretch>
+        </p:blipFill>
+        <p:spPr>
+          <a:xfrm>
+            <a:off x="2514600" y="1726895"/>
+            <a:ext cx="7162800" cy="3404209"/>
+          </a:xfrm>
+          <a:prstGeom prst="rect">
+            <a:avLst/>
+          </a:prstGeom>
+        </p:spPr>
+      </p:pic>
+    </p:spTree>
+    <p:extLst>
+      <p:ext uri="{BB962C8B-B14F-4D97-AF65-F5344CB8AC3E}">
+        <p14:creationId xmlns:p14="http://schemas.microsoft.com/office/powerpoint/2010/main" val="2286241091"/>
+      </p:ext>
+    </p:extLst>
+  </p:cSld>
+  <p:clrMapOvr>
+    <a:masterClrMapping/>
+  </p:clrMapOvr>
+</p:sld>
+</file>
+
+<file path=ppt/slides/slide4.xml><?xml version="1.0" encoding="utf-8"?>
+<p:sld xmlns:a="http://schemas.openxmlformats.org/drawingml/2006/main" xmlns:r="http://schemas.openxmlformats.org/officeDocument/2006/relationships" xmlns:p="http://schemas.openxmlformats.org/presentationml/2006/main">
+  <p:cSld>
+    <p:spTree>
+      <p:nvGrpSpPr>
+        <p:cNvPr id="1" name=""/>
+        <p:cNvGrpSpPr/>
+        <p:nvPr/>
+      </p:nvGrpSpPr>
+      <p:grpSpPr>
+        <a:xfrm>
+          <a:off x="0" y="0"/>
+          <a:ext cx="0" cy="0"/>
+          <a:chOff x="0" y="0"/>
+          <a:chExt cx="0" cy="0"/>
+        </a:xfrm>
+      </p:grpSpPr>
+      <p:sp>
+        <p:nvSpPr>
+          <p:cNvPr id="2" name="Title 1">
+            <a:extLst>
+              <a:ext uri="{FF2B5EF4-FFF2-40B4-BE49-F238E27FC236}">
                 <a16:creationId xmlns:a16="http://schemas.microsoft.com/office/drawing/2014/main" id="{7E87868A-47BF-7C71-51BE-7FEA0361EDA8}"/>
               </a:ext>
             </a:extLst>
@@ -4450,12 +5056,12 @@
           <a:lstStyle/>
           <a:p>
             <a:r>
-              <a:rPr lang="en-US">
+              <a:rPr lang="en-US" dirty="0">
                 <a:hlinkClick r:id="rId4"/>
               </a:rPr>
               <a:t>Play with waves yourself</a:t>
             </a:r>
-            <a:endParaRPr lang="en-US"/>
+            <a:endParaRPr lang="en-US" dirty="0"/>
           </a:p>
         </p:txBody>
       </p:sp>
@@ -4472,7 +5078,7 @@
 </p:sld>
 </file>
 
-<file path=ppt/slides/slide3.xml><?xml version="1.0" encoding="utf-8"?>
+<file path=ppt/slides/slide5.xml><?xml version="1.0" encoding="utf-8"?>
 <p:sld xmlns:a="http://schemas.openxmlformats.org/drawingml/2006/main" xmlns:r="http://schemas.openxmlformats.org/officeDocument/2006/relationships" xmlns:p="http://schemas.openxmlformats.org/presentationml/2006/main">
   <p:cSld>
     <p:spTree>
@@ -4667,7 +5273,7 @@
 </p:sld>
 </file>
 
-<file path=ppt/slides/slide4.xml><?xml version="1.0" encoding="utf-8"?>
+<file path=ppt/slides/slide6.xml><?xml version="1.0" encoding="utf-8"?>
 <p:sld xmlns:a="http://schemas.openxmlformats.org/drawingml/2006/main" xmlns:r="http://schemas.openxmlformats.org/officeDocument/2006/relationships" xmlns:p="http://schemas.openxmlformats.org/presentationml/2006/main">
   <p:cSld>
     <p:spTree>
@@ -4906,7 +5512,7 @@
         </p:blipFill>
         <p:spPr>
           <a:xfrm>
-            <a:off x="5192010" y="1894947"/>
+            <a:off x="5192010" y="1584393"/>
             <a:ext cx="4894996" cy="655945"/>
           </a:xfrm>
           <a:prstGeom prst="rect">
@@ -5037,7 +5643,7 @@
         <p:spPr>
           <a:xfrm>
             <a:off x="690384" y="5434453"/>
-            <a:ext cx="8144162" cy="707886"/>
+            <a:ext cx="8144162" cy="1015663"/>
           </a:xfrm>
           <a:prstGeom prst="rect">
             <a:avLst/>
@@ -5051,7 +5657,7 @@
           <a:lstStyle/>
           <a:p>
             <a:r>
-              <a:rPr lang="en-US" sz="2000" i="1">
+              <a:rPr lang="en-US" sz="2000" i="1" dirty="0">
                 <a:latin typeface="+mj-lt"/>
                 <a:ea typeface="+mj-ea"/>
                 <a:cs typeface="+mj-cs"/>
@@ -5059,7 +5665,7 @@
               <a:t>Planck's Constant:</a:t>
             </a:r>
             <a:r>
-              <a:rPr lang="en-US" sz="2000">
+              <a:rPr lang="en-US" sz="2000" dirty="0">
                 <a:latin typeface="+mj-lt"/>
                 <a:ea typeface="+mj-ea"/>
                 <a:cs typeface="+mj-cs"/>
@@ -5067,7 +5673,7 @@
               <a:t> h = 6.5 * 10</a:t>
             </a:r>
             <a:r>
-              <a:rPr lang="en-US" sz="2000" baseline="30000">
+              <a:rPr lang="en-US" sz="2000" baseline="30000" dirty="0">
                 <a:latin typeface="+mj-lt"/>
                 <a:ea typeface="+mj-ea"/>
                 <a:cs typeface="+mj-cs"/>
@@ -5075,7 +5681,7 @@
               <a:t>-16 </a:t>
             </a:r>
             <a:r>
-              <a:rPr lang="en-US" sz="2000">
+              <a:rPr lang="en-US" sz="2000" dirty="0">
                 <a:latin typeface="+mj-lt"/>
                 <a:ea typeface="+mj-ea"/>
                 <a:cs typeface="+mj-cs"/>
@@ -5085,7 +5691,7 @@
           </a:p>
           <a:p>
             <a:r>
-              <a:rPr lang="en-US" sz="2000" i="1">
+              <a:rPr lang="en-US" sz="2000" i="1" dirty="0">
                 <a:latin typeface="+mj-lt"/>
                 <a:ea typeface="+mj-ea"/>
                 <a:cs typeface="+mj-cs"/>
@@ -5093,7 +5699,7 @@
               <a:t>Speed of Light:</a:t>
             </a:r>
             <a:r>
-              <a:rPr lang="en-US" sz="2000">
+              <a:rPr lang="en-US" sz="2000" dirty="0">
                 <a:latin typeface="+mj-lt"/>
                 <a:ea typeface="+mj-ea"/>
                 <a:cs typeface="+mj-cs"/>
@@ -5101,7 +5707,7 @@
               <a:t>  c = 3 * 10</a:t>
             </a:r>
             <a:r>
-              <a:rPr lang="en-US" sz="2000" baseline="30000">
+              <a:rPr lang="en-US" sz="2000" baseline="30000" dirty="0">
                 <a:latin typeface="+mj-lt"/>
                 <a:ea typeface="+mj-ea"/>
                 <a:cs typeface="+mj-cs"/>
@@ -5109,7 +5715,7 @@
               <a:t>8  </a:t>
             </a:r>
             <a:r>
-              <a:rPr lang="en-US" sz="2000">
+              <a:rPr lang="en-US" sz="2000" dirty="0">
                 <a:latin typeface="+mj-lt"/>
                 <a:ea typeface="+mj-ea"/>
                 <a:cs typeface="+mj-cs"/>
@@ -5117,18 +5723,38 @@
               <a:t>m*s</a:t>
             </a:r>
             <a:r>
-              <a:rPr lang="en-US" sz="2000" baseline="30000">
+              <a:rPr lang="en-US" sz="2000" baseline="30000" dirty="0">
                 <a:latin typeface="+mj-lt"/>
                 <a:ea typeface="+mj-ea"/>
                 <a:cs typeface="+mj-cs"/>
               </a:rPr>
               <a:t>-1</a:t>
             </a:r>
-            <a:endParaRPr lang="en-US" sz="2000">
-              <a:latin typeface="+mj-lt"/>
-              <a:ea typeface="+mj-ea"/>
-              <a:cs typeface="+mj-cs"/>
-            </a:endParaRPr>
+          </a:p>
+          <a:p>
+            <a:r>
+              <a:rPr lang="en-US" sz="2000" i="1" dirty="0">
+                <a:latin typeface="+mj-lt"/>
+                <a:ea typeface="+mj-ea"/>
+                <a:cs typeface="+mj-cs"/>
+              </a:rPr>
+              <a:t>λ(</a:t>
+            </a:r>
+            <a:r>
+              <a:rPr lang="en-US" sz="2000" i="1" dirty="0">
+                <a:ea typeface="+mn-lt"/>
+                <a:cs typeface="+mn-lt"/>
+              </a:rPr>
+              <a:t>Lamda ) = </a:t>
+            </a:r>
+            <a:r>
+              <a:rPr lang="en-US" sz="2000" dirty="0">
+                <a:latin typeface="+mj-lt"/>
+                <a:ea typeface="+mj-ea"/>
+                <a:cs typeface="+mj-cs"/>
+              </a:rPr>
+              <a:t>Wavelength (m) </a:t>
+            </a:r>
           </a:p>
         </p:txBody>
       </p:sp>
@@ -5159,7 +5785,7 @@
         </p:blipFill>
         <p:spPr>
           <a:xfrm>
-            <a:off x="10089900" y="1897777"/>
+            <a:off x="10089900" y="1587223"/>
             <a:ext cx="1157349" cy="652674"/>
           </a:xfrm>
           <a:prstGeom prst="rect">
@@ -5226,7 +5852,7 @@
 </p:sld>
 </file>
 
-<file path=ppt/slides/slide5.xml><?xml version="1.0" encoding="utf-8"?>
+<file path=ppt/slides/slide7.xml><?xml version="1.0" encoding="utf-8"?>
 <p:sld xmlns:a="http://schemas.openxmlformats.org/drawingml/2006/main" xmlns:r="http://schemas.openxmlformats.org/officeDocument/2006/relationships" xmlns:p="http://schemas.openxmlformats.org/presentationml/2006/main">
   <p:cSld>
     <p:spTree>
@@ -5243,11 +5869,959 @@
           <a:chExt cx="0" cy="0"/>
         </a:xfrm>
       </p:grpSpPr>
+      <p:pic>
+        <p:nvPicPr>
+          <p:cNvPr id="4" name="Content Placeholder 3" descr="How the Eye Perceives Color. The color you see is simply a… | by Erin S |  The Realm of Color | Medium">
+            <a:extLst>
+              <a:ext uri="{FF2B5EF4-FFF2-40B4-BE49-F238E27FC236}">
+                <a16:creationId xmlns:a16="http://schemas.microsoft.com/office/drawing/2014/main" id="{6600C25F-0056-A971-2C76-F6BFE6048198}"/>
+              </a:ext>
+            </a:extLst>
+          </p:cNvPr>
+          <p:cNvPicPr>
+            <a:picLocks noChangeAspect="1"/>
+          </p:cNvPicPr>
+          <p:nvPr/>
+        </p:nvPicPr>
+        <p:blipFill rotWithShape="1">
+          <a:blip r:embed="rId2"/>
+          <a:srcRect l="19842" t="41827" r="95" b="45687"/>
+          <a:stretch/>
+        </p:blipFill>
+        <p:spPr>
+          <a:xfrm rot="1263201">
+            <a:off x="2355469" y="3786000"/>
+            <a:ext cx="7171007" cy="733833"/>
+          </a:xfrm>
+          <a:prstGeom prst="rect">
+            <a:avLst/>
+          </a:prstGeom>
+        </p:spPr>
+      </p:pic>
+      <p:sp>
+        <p:nvSpPr>
+          <p:cNvPr id="15" name="Flowchart: Connector 14">
+            <a:extLst>
+              <a:ext uri="{FF2B5EF4-FFF2-40B4-BE49-F238E27FC236}">
+                <a16:creationId xmlns:a16="http://schemas.microsoft.com/office/drawing/2014/main" id="{9F4C992D-3346-92A8-62AC-02EC89814609}"/>
+              </a:ext>
+            </a:extLst>
+          </p:cNvPr>
+          <p:cNvSpPr/>
+          <p:nvPr/>
+        </p:nvSpPr>
+        <p:spPr>
+          <a:xfrm>
+            <a:off x="1325878" y="3347084"/>
+            <a:ext cx="2103120" cy="2103120"/>
+          </a:xfrm>
+          <a:prstGeom prst="flowChartConnector">
+            <a:avLst/>
+          </a:prstGeom>
+          <a:noFill/>
+          <a:ln>
+            <a:solidFill>
+              <a:schemeClr val="tx1"/>
+            </a:solidFill>
+          </a:ln>
+        </p:spPr>
+        <p:style>
+          <a:lnRef idx="2">
+            <a:schemeClr val="accent1">
+              <a:shade val="50000"/>
+            </a:schemeClr>
+          </a:lnRef>
+          <a:fillRef idx="1">
+            <a:schemeClr val="accent1"/>
+          </a:fillRef>
+          <a:effectRef idx="0">
+            <a:schemeClr val="accent1"/>
+          </a:effectRef>
+          <a:fontRef idx="minor">
+            <a:schemeClr val="lt1"/>
+          </a:fontRef>
+        </p:style>
+        <p:txBody>
+          <a:bodyPr rtlCol="0" anchor="ctr"/>
+          <a:lstStyle/>
+          <a:p>
+            <a:pPr algn="ctr"/>
+            <a:endParaRPr lang="en-US" dirty="0"/>
+          </a:p>
+        </p:txBody>
+      </p:sp>
+      <p:sp>
+        <p:nvSpPr>
+          <p:cNvPr id="13" name="Flowchart: Connector 12">
+            <a:extLst>
+              <a:ext uri="{FF2B5EF4-FFF2-40B4-BE49-F238E27FC236}">
+                <a16:creationId xmlns:a16="http://schemas.microsoft.com/office/drawing/2014/main" id="{F558DB5C-BFE9-BCA7-169C-07E94405F4D0}"/>
+              </a:ext>
+            </a:extLst>
+          </p:cNvPr>
+          <p:cNvSpPr/>
+          <p:nvPr/>
+        </p:nvSpPr>
+        <p:spPr>
+          <a:xfrm>
+            <a:off x="2103119" y="4398644"/>
+            <a:ext cx="548640" cy="548640"/>
+          </a:xfrm>
+          <a:prstGeom prst="flowChartConnector">
+            <a:avLst/>
+          </a:prstGeom>
+          <a:gradFill flip="none" rotWithShape="1">
+            <a:gsLst>
+              <a:gs pos="0">
+                <a:srgbClr val="FF0000">
+                  <a:tint val="66000"/>
+                  <a:satMod val="160000"/>
+                </a:srgbClr>
+              </a:gs>
+              <a:gs pos="100000">
+                <a:srgbClr val="FF0000">
+                  <a:tint val="44500"/>
+                  <a:satMod val="160000"/>
+                </a:srgbClr>
+              </a:gs>
+              <a:gs pos="100000">
+                <a:srgbClr val="FF0000">
+                  <a:tint val="23500"/>
+                  <a:satMod val="160000"/>
+                </a:srgbClr>
+              </a:gs>
+            </a:gsLst>
+            <a:path path="circle">
+              <a:fillToRect l="50000" t="50000" r="50000" b="50000"/>
+            </a:path>
+            <a:tileRect/>
+          </a:gradFill>
+          <a:ln>
+            <a:solidFill>
+              <a:schemeClr val="tx1"/>
+            </a:solidFill>
+          </a:ln>
+        </p:spPr>
+        <p:style>
+          <a:lnRef idx="2">
+            <a:schemeClr val="accent1">
+              <a:shade val="50000"/>
+            </a:schemeClr>
+          </a:lnRef>
+          <a:fillRef idx="1">
+            <a:schemeClr val="accent1"/>
+          </a:fillRef>
+          <a:effectRef idx="0">
+            <a:schemeClr val="accent1"/>
+          </a:effectRef>
+          <a:fontRef idx="minor">
+            <a:schemeClr val="lt1"/>
+          </a:fontRef>
+        </p:style>
+        <p:txBody>
+          <a:bodyPr rtlCol="0" anchor="ctr"/>
+          <a:lstStyle/>
+          <a:p>
+            <a:pPr algn="ctr"/>
+            <a:endParaRPr lang="en-US" dirty="0"/>
+          </a:p>
+        </p:txBody>
+      </p:sp>
       <p:sp>
         <p:nvSpPr>
           <p:cNvPr id="2" name="Title 1">
             <a:extLst>
               <a:ext uri="{FF2B5EF4-FFF2-40B4-BE49-F238E27FC236}">
+                <a16:creationId xmlns:a16="http://schemas.microsoft.com/office/drawing/2014/main" id="{156438AD-D4EA-FC27-3F62-473F9FAAE4B8}"/>
+              </a:ext>
+            </a:extLst>
+          </p:cNvPr>
+          <p:cNvSpPr>
+            <a:spLocks noGrp="1"/>
+          </p:cNvSpPr>
+          <p:nvPr>
+            <p:ph type="title"/>
+          </p:nvPr>
+        </p:nvSpPr>
+        <p:spPr/>
+        <p:txBody>
+          <a:bodyPr/>
+          <a:lstStyle/>
+          <a:p>
+            <a:r>
+              <a:rPr lang="en-US" dirty="0"/>
+              <a:t>Electrons Emit Light When They Lose Energy</a:t>
+            </a:r>
+          </a:p>
+        </p:txBody>
+      </p:sp>
+      <p:sp>
+        <p:nvSpPr>
+          <p:cNvPr id="6" name="Flowchart: Connector 5">
+            <a:extLst>
+              <a:ext uri="{FF2B5EF4-FFF2-40B4-BE49-F238E27FC236}">
+                <a16:creationId xmlns:a16="http://schemas.microsoft.com/office/drawing/2014/main" id="{2C3D8A40-4EA0-7C5E-B31C-275CCD1F00B5}"/>
+              </a:ext>
+            </a:extLst>
+          </p:cNvPr>
+          <p:cNvSpPr/>
+          <p:nvPr/>
+        </p:nvSpPr>
+        <p:spPr>
+          <a:xfrm>
+            <a:off x="1828799" y="4124324"/>
+            <a:ext cx="548640" cy="548640"/>
+          </a:xfrm>
+          <a:prstGeom prst="flowChartConnector">
+            <a:avLst/>
+          </a:prstGeom>
+          <a:gradFill flip="none" rotWithShape="1">
+            <a:gsLst>
+              <a:gs pos="0">
+                <a:srgbClr val="FF0000">
+                  <a:tint val="66000"/>
+                  <a:satMod val="160000"/>
+                </a:srgbClr>
+              </a:gs>
+              <a:gs pos="100000">
+                <a:srgbClr val="FF0000">
+                  <a:tint val="44500"/>
+                  <a:satMod val="160000"/>
+                </a:srgbClr>
+              </a:gs>
+              <a:gs pos="100000">
+                <a:srgbClr val="FF0000">
+                  <a:tint val="23500"/>
+                  <a:satMod val="160000"/>
+                </a:srgbClr>
+              </a:gs>
+            </a:gsLst>
+            <a:path path="circle">
+              <a:fillToRect l="50000" t="50000" r="50000" b="50000"/>
+            </a:path>
+            <a:tileRect/>
+          </a:gradFill>
+          <a:ln>
+            <a:solidFill>
+              <a:schemeClr val="tx1"/>
+            </a:solidFill>
+          </a:ln>
+        </p:spPr>
+        <p:style>
+          <a:lnRef idx="2">
+            <a:schemeClr val="accent1">
+              <a:shade val="50000"/>
+            </a:schemeClr>
+          </a:lnRef>
+          <a:fillRef idx="1">
+            <a:schemeClr val="accent1"/>
+          </a:fillRef>
+          <a:effectRef idx="0">
+            <a:schemeClr val="accent1"/>
+          </a:effectRef>
+          <a:fontRef idx="minor">
+            <a:schemeClr val="lt1"/>
+          </a:fontRef>
+        </p:style>
+        <p:txBody>
+          <a:bodyPr rtlCol="0" anchor="ctr"/>
+          <a:lstStyle/>
+          <a:p>
+            <a:pPr algn="ctr"/>
+            <a:endParaRPr lang="en-US" dirty="0"/>
+          </a:p>
+        </p:txBody>
+      </p:sp>
+      <p:sp>
+        <p:nvSpPr>
+          <p:cNvPr id="11" name="Flowchart: Connector 10">
+            <a:extLst>
+              <a:ext uri="{FF2B5EF4-FFF2-40B4-BE49-F238E27FC236}">
+                <a16:creationId xmlns:a16="http://schemas.microsoft.com/office/drawing/2014/main" id="{3261774A-D9D7-74D3-8629-832413C5D72F}"/>
+              </a:ext>
+            </a:extLst>
+          </p:cNvPr>
+          <p:cNvSpPr/>
+          <p:nvPr/>
+        </p:nvSpPr>
+        <p:spPr>
+          <a:xfrm>
+            <a:off x="2103119" y="3850004"/>
+            <a:ext cx="548640" cy="548640"/>
+          </a:xfrm>
+          <a:prstGeom prst="flowChartConnector">
+            <a:avLst/>
+          </a:prstGeom>
+          <a:gradFill flip="none" rotWithShape="1">
+            <a:gsLst>
+              <a:gs pos="0">
+                <a:srgbClr val="FF0000">
+                  <a:tint val="66000"/>
+                  <a:satMod val="160000"/>
+                </a:srgbClr>
+              </a:gs>
+              <a:gs pos="100000">
+                <a:srgbClr val="FF0000">
+                  <a:tint val="44500"/>
+                  <a:satMod val="160000"/>
+                </a:srgbClr>
+              </a:gs>
+              <a:gs pos="100000">
+                <a:srgbClr val="FF0000">
+                  <a:tint val="23500"/>
+                  <a:satMod val="160000"/>
+                </a:srgbClr>
+              </a:gs>
+            </a:gsLst>
+            <a:path path="circle">
+              <a:fillToRect l="50000" t="50000" r="50000" b="50000"/>
+            </a:path>
+            <a:tileRect/>
+          </a:gradFill>
+          <a:ln>
+            <a:solidFill>
+              <a:schemeClr val="tx1"/>
+            </a:solidFill>
+          </a:ln>
+        </p:spPr>
+        <p:style>
+          <a:lnRef idx="2">
+            <a:schemeClr val="accent1">
+              <a:shade val="50000"/>
+            </a:schemeClr>
+          </a:lnRef>
+          <a:fillRef idx="1">
+            <a:schemeClr val="accent1"/>
+          </a:fillRef>
+          <a:effectRef idx="0">
+            <a:schemeClr val="accent1"/>
+          </a:effectRef>
+          <a:fontRef idx="minor">
+            <a:schemeClr val="lt1"/>
+          </a:fontRef>
+        </p:style>
+        <p:txBody>
+          <a:bodyPr rtlCol="0" anchor="ctr"/>
+          <a:lstStyle/>
+          <a:p>
+            <a:pPr algn="ctr"/>
+            <a:endParaRPr lang="en-US" dirty="0"/>
+          </a:p>
+        </p:txBody>
+      </p:sp>
+      <p:sp>
+        <p:nvSpPr>
+          <p:cNvPr id="12" name="Flowchart: Connector 11">
+            <a:extLst>
+              <a:ext uri="{FF2B5EF4-FFF2-40B4-BE49-F238E27FC236}">
+                <a16:creationId xmlns:a16="http://schemas.microsoft.com/office/drawing/2014/main" id="{BD04BA1A-DF84-A0B7-738B-9691BCBDBBCC}"/>
+              </a:ext>
+            </a:extLst>
+          </p:cNvPr>
+          <p:cNvSpPr/>
+          <p:nvPr/>
+        </p:nvSpPr>
+        <p:spPr>
+          <a:xfrm>
+            <a:off x="2377439" y="4124324"/>
+            <a:ext cx="548640" cy="548640"/>
+          </a:xfrm>
+          <a:prstGeom prst="flowChartConnector">
+            <a:avLst/>
+          </a:prstGeom>
+          <a:gradFill flip="none" rotWithShape="1">
+            <a:gsLst>
+              <a:gs pos="0">
+                <a:srgbClr val="FF0000">
+                  <a:tint val="66000"/>
+                  <a:satMod val="160000"/>
+                </a:srgbClr>
+              </a:gs>
+              <a:gs pos="100000">
+                <a:srgbClr val="FF0000">
+                  <a:tint val="44500"/>
+                  <a:satMod val="160000"/>
+                </a:srgbClr>
+              </a:gs>
+              <a:gs pos="100000">
+                <a:srgbClr val="FF0000">
+                  <a:tint val="23500"/>
+                  <a:satMod val="160000"/>
+                </a:srgbClr>
+              </a:gs>
+            </a:gsLst>
+            <a:path path="circle">
+              <a:fillToRect l="50000" t="50000" r="50000" b="50000"/>
+            </a:path>
+            <a:tileRect/>
+          </a:gradFill>
+          <a:ln>
+            <a:solidFill>
+              <a:schemeClr val="tx1"/>
+            </a:solidFill>
+          </a:ln>
+        </p:spPr>
+        <p:style>
+          <a:lnRef idx="2">
+            <a:schemeClr val="accent1">
+              <a:shade val="50000"/>
+            </a:schemeClr>
+          </a:lnRef>
+          <a:fillRef idx="1">
+            <a:schemeClr val="accent1"/>
+          </a:fillRef>
+          <a:effectRef idx="0">
+            <a:schemeClr val="accent1"/>
+          </a:effectRef>
+          <a:fontRef idx="minor">
+            <a:schemeClr val="lt1"/>
+          </a:fontRef>
+        </p:style>
+        <p:txBody>
+          <a:bodyPr rtlCol="0" anchor="ctr"/>
+          <a:lstStyle/>
+          <a:p>
+            <a:pPr algn="ctr"/>
+            <a:endParaRPr lang="en-US" dirty="0"/>
+          </a:p>
+        </p:txBody>
+      </p:sp>
+      <p:sp>
+        <p:nvSpPr>
+          <p:cNvPr id="14" name="Flowchart: Connector 13">
+            <a:extLst>
+              <a:ext uri="{FF2B5EF4-FFF2-40B4-BE49-F238E27FC236}">
+                <a16:creationId xmlns:a16="http://schemas.microsoft.com/office/drawing/2014/main" id="{7ECAE4EE-484E-6837-4AF9-FD26E4592F27}"/>
+              </a:ext>
+            </a:extLst>
+          </p:cNvPr>
+          <p:cNvSpPr/>
+          <p:nvPr/>
+        </p:nvSpPr>
+        <p:spPr>
+          <a:xfrm>
+            <a:off x="2147886" y="4192904"/>
+            <a:ext cx="459106" cy="411480"/>
+          </a:xfrm>
+          <a:prstGeom prst="flowChartConnector">
+            <a:avLst/>
+          </a:prstGeom>
+          <a:gradFill flip="none" rotWithShape="1">
+            <a:gsLst>
+              <a:gs pos="0">
+                <a:srgbClr val="00B0F0">
+                  <a:tint val="66000"/>
+                  <a:satMod val="160000"/>
+                </a:srgbClr>
+              </a:gs>
+              <a:gs pos="50000">
+                <a:srgbClr val="00B0F0">
+                  <a:tint val="44500"/>
+                  <a:satMod val="160000"/>
+                </a:srgbClr>
+              </a:gs>
+              <a:gs pos="100000">
+                <a:srgbClr val="00B0F0">
+                  <a:tint val="23500"/>
+                  <a:satMod val="160000"/>
+                </a:srgbClr>
+              </a:gs>
+            </a:gsLst>
+            <a:path path="circle">
+              <a:fillToRect l="50000" t="50000" r="50000" b="50000"/>
+            </a:path>
+            <a:tileRect/>
+          </a:gradFill>
+          <a:ln>
+            <a:solidFill>
+              <a:schemeClr val="tx1"/>
+            </a:solidFill>
+          </a:ln>
+        </p:spPr>
+        <p:style>
+          <a:lnRef idx="2">
+            <a:schemeClr val="accent1">
+              <a:shade val="50000"/>
+            </a:schemeClr>
+          </a:lnRef>
+          <a:fillRef idx="1">
+            <a:schemeClr val="accent1"/>
+          </a:fillRef>
+          <a:effectRef idx="0">
+            <a:schemeClr val="accent1"/>
+          </a:effectRef>
+          <a:fontRef idx="minor">
+            <a:schemeClr val="lt1"/>
+          </a:fontRef>
+        </p:style>
+        <p:txBody>
+          <a:bodyPr rtlCol="0" anchor="ctr"/>
+          <a:lstStyle/>
+          <a:p>
+            <a:pPr algn="ctr"/>
+            <a:r>
+              <a:rPr lang="en-US" dirty="0"/>
+              <a:t>+</a:t>
+            </a:r>
+          </a:p>
+        </p:txBody>
+      </p:sp>
+      <p:sp>
+        <p:nvSpPr>
+          <p:cNvPr id="16" name="Flowchart: Connector 15">
+            <a:extLst>
+              <a:ext uri="{FF2B5EF4-FFF2-40B4-BE49-F238E27FC236}">
+                <a16:creationId xmlns:a16="http://schemas.microsoft.com/office/drawing/2014/main" id="{1CA4AC9D-685F-A3E6-71AD-CC46167E9EB7}"/>
+              </a:ext>
+            </a:extLst>
+          </p:cNvPr>
+          <p:cNvSpPr/>
+          <p:nvPr/>
+        </p:nvSpPr>
+        <p:spPr>
+          <a:xfrm>
+            <a:off x="91438" y="2112644"/>
+            <a:ext cx="4572000" cy="4572000"/>
+          </a:xfrm>
+          <a:prstGeom prst="flowChartConnector">
+            <a:avLst/>
+          </a:prstGeom>
+          <a:noFill/>
+          <a:ln>
+            <a:solidFill>
+              <a:schemeClr val="tx1"/>
+            </a:solidFill>
+          </a:ln>
+        </p:spPr>
+        <p:style>
+          <a:lnRef idx="2">
+            <a:schemeClr val="accent1">
+              <a:shade val="50000"/>
+            </a:schemeClr>
+          </a:lnRef>
+          <a:fillRef idx="1">
+            <a:schemeClr val="accent1"/>
+          </a:fillRef>
+          <a:effectRef idx="0">
+            <a:schemeClr val="accent1"/>
+          </a:effectRef>
+          <a:fontRef idx="minor">
+            <a:schemeClr val="lt1"/>
+          </a:fontRef>
+        </p:style>
+        <p:txBody>
+          <a:bodyPr rtlCol="0" anchor="ctr"/>
+          <a:lstStyle/>
+          <a:p>
+            <a:pPr algn="ctr"/>
+            <a:endParaRPr lang="en-US" dirty="0"/>
+          </a:p>
+        </p:txBody>
+      </p:sp>
+      <p:sp>
+        <p:nvSpPr>
+          <p:cNvPr id="17" name="Flowchart: Connector 16">
+            <a:extLst>
+              <a:ext uri="{FF2B5EF4-FFF2-40B4-BE49-F238E27FC236}">
+                <a16:creationId xmlns:a16="http://schemas.microsoft.com/office/drawing/2014/main" id="{C1DA3823-BD71-E61E-2D77-123A8947CAED}"/>
+              </a:ext>
+            </a:extLst>
+          </p:cNvPr>
+          <p:cNvSpPr/>
+          <p:nvPr/>
+        </p:nvSpPr>
+        <p:spPr>
+          <a:xfrm>
+            <a:off x="2194559" y="1896428"/>
+            <a:ext cx="457200" cy="457200"/>
+          </a:xfrm>
+          <a:prstGeom prst="flowChartConnector">
+            <a:avLst/>
+          </a:prstGeom>
+          <a:gradFill flip="none" rotWithShape="1">
+            <a:gsLst>
+              <a:gs pos="0">
+                <a:srgbClr val="FFFF00">
+                  <a:tint val="66000"/>
+                  <a:satMod val="160000"/>
+                </a:srgbClr>
+              </a:gs>
+              <a:gs pos="50000">
+                <a:srgbClr val="FFFF00">
+                  <a:tint val="44500"/>
+                  <a:satMod val="160000"/>
+                </a:srgbClr>
+              </a:gs>
+              <a:gs pos="100000">
+                <a:srgbClr val="FFFF00">
+                  <a:tint val="23500"/>
+                  <a:satMod val="160000"/>
+                </a:srgbClr>
+              </a:gs>
+            </a:gsLst>
+            <a:path path="circle">
+              <a:fillToRect l="50000" t="50000" r="50000" b="50000"/>
+            </a:path>
+            <a:tileRect/>
+          </a:gradFill>
+          <a:ln>
+            <a:solidFill>
+              <a:schemeClr val="tx1"/>
+            </a:solidFill>
+          </a:ln>
+        </p:spPr>
+        <p:style>
+          <a:lnRef idx="2">
+            <a:schemeClr val="accent1">
+              <a:shade val="50000"/>
+            </a:schemeClr>
+          </a:lnRef>
+          <a:fillRef idx="1">
+            <a:schemeClr val="accent1"/>
+          </a:fillRef>
+          <a:effectRef idx="0">
+            <a:schemeClr val="accent1"/>
+          </a:effectRef>
+          <a:fontRef idx="minor">
+            <a:schemeClr val="lt1"/>
+          </a:fontRef>
+        </p:style>
+        <p:txBody>
+          <a:bodyPr rtlCol="0" anchor="ctr"/>
+          <a:lstStyle/>
+          <a:p>
+            <a:pPr algn="ctr"/>
+            <a:r>
+              <a:rPr lang="en-US" sz="1400" b="1" dirty="0">
+                <a:solidFill>
+                  <a:schemeClr val="tx1"/>
+                </a:solidFill>
+              </a:rPr>
+              <a:t>e</a:t>
+            </a:r>
+            <a:r>
+              <a:rPr lang="en-US" sz="1400" b="1" baseline="30000" dirty="0">
+                <a:solidFill>
+                  <a:schemeClr val="tx1"/>
+                </a:solidFill>
+              </a:rPr>
+              <a:t>-</a:t>
+            </a:r>
+            <a:endParaRPr lang="en-US" sz="1400" b="1" dirty="0">
+              <a:solidFill>
+                <a:schemeClr val="tx1"/>
+              </a:solidFill>
+            </a:endParaRPr>
+          </a:p>
+        </p:txBody>
+      </p:sp>
+      <p:sp>
+        <p:nvSpPr>
+          <p:cNvPr id="18" name="Flowchart: Connector 17">
+            <a:extLst>
+              <a:ext uri="{FF2B5EF4-FFF2-40B4-BE49-F238E27FC236}">
+                <a16:creationId xmlns:a16="http://schemas.microsoft.com/office/drawing/2014/main" id="{46C5C3F9-205F-5905-939C-89D92BE9BE0F}"/>
+              </a:ext>
+            </a:extLst>
+          </p:cNvPr>
+          <p:cNvSpPr/>
+          <p:nvPr/>
+        </p:nvSpPr>
+        <p:spPr>
+          <a:xfrm>
+            <a:off x="1242058" y="4718684"/>
+            <a:ext cx="457200" cy="457200"/>
+          </a:xfrm>
+          <a:prstGeom prst="flowChartConnector">
+            <a:avLst/>
+          </a:prstGeom>
+          <a:gradFill flip="none" rotWithShape="1">
+            <a:gsLst>
+              <a:gs pos="0">
+                <a:srgbClr val="FFFF00">
+                  <a:tint val="66000"/>
+                  <a:satMod val="160000"/>
+                </a:srgbClr>
+              </a:gs>
+              <a:gs pos="50000">
+                <a:srgbClr val="FFFF00">
+                  <a:tint val="44500"/>
+                  <a:satMod val="160000"/>
+                </a:srgbClr>
+              </a:gs>
+              <a:gs pos="100000">
+                <a:srgbClr val="FFFF00">
+                  <a:tint val="23500"/>
+                  <a:satMod val="160000"/>
+                </a:srgbClr>
+              </a:gs>
+            </a:gsLst>
+            <a:path path="circle">
+              <a:fillToRect l="50000" t="50000" r="50000" b="50000"/>
+            </a:path>
+            <a:tileRect/>
+          </a:gradFill>
+          <a:ln>
+            <a:solidFill>
+              <a:schemeClr val="tx1"/>
+            </a:solidFill>
+          </a:ln>
+        </p:spPr>
+        <p:style>
+          <a:lnRef idx="2">
+            <a:schemeClr val="accent1">
+              <a:shade val="50000"/>
+            </a:schemeClr>
+          </a:lnRef>
+          <a:fillRef idx="1">
+            <a:schemeClr val="accent1"/>
+          </a:fillRef>
+          <a:effectRef idx="0">
+            <a:schemeClr val="accent1"/>
+          </a:effectRef>
+          <a:fontRef idx="minor">
+            <a:schemeClr val="lt1"/>
+          </a:fontRef>
+        </p:style>
+        <p:txBody>
+          <a:bodyPr rtlCol="0" anchor="ctr"/>
+          <a:lstStyle/>
+          <a:p>
+            <a:pPr algn="ctr"/>
+            <a:r>
+              <a:rPr lang="en-US" sz="1400" b="1" dirty="0">
+                <a:solidFill>
+                  <a:schemeClr val="tx1"/>
+                </a:solidFill>
+              </a:rPr>
+              <a:t>e</a:t>
+            </a:r>
+            <a:r>
+              <a:rPr lang="en-US" sz="1400" b="1" baseline="30000" dirty="0">
+                <a:solidFill>
+                  <a:schemeClr val="tx1"/>
+                </a:solidFill>
+              </a:rPr>
+              <a:t>-</a:t>
+            </a:r>
+            <a:endParaRPr lang="en-US" sz="1400" b="1" dirty="0">
+              <a:solidFill>
+                <a:schemeClr val="tx1"/>
+              </a:solidFill>
+            </a:endParaRPr>
+          </a:p>
+        </p:txBody>
+      </p:sp>
+      <p:cxnSp>
+        <p:nvCxnSpPr>
+          <p:cNvPr id="20" name="Straight Arrow Connector 19">
+            <a:extLst>
+              <a:ext uri="{FF2B5EF4-FFF2-40B4-BE49-F238E27FC236}">
+                <a16:creationId xmlns:a16="http://schemas.microsoft.com/office/drawing/2014/main" id="{CD38EDF9-4F2D-BFCB-FF20-3B3218EDA611}"/>
+              </a:ext>
+            </a:extLst>
+          </p:cNvPr>
+          <p:cNvCxnSpPr>
+            <a:cxnSpLocks/>
+          </p:cNvCxnSpPr>
+          <p:nvPr/>
+        </p:nvCxnSpPr>
+        <p:spPr>
+          <a:xfrm>
+            <a:off x="2423159" y="2476500"/>
+            <a:ext cx="0" cy="736600"/>
+          </a:xfrm>
+          <a:prstGeom prst="straightConnector1">
+            <a:avLst/>
+          </a:prstGeom>
+          <a:ln w="57150">
+            <a:solidFill>
+              <a:schemeClr val="tx1"/>
+            </a:solidFill>
+            <a:tailEnd type="triangle"/>
+          </a:ln>
+        </p:spPr>
+        <p:style>
+          <a:lnRef idx="2">
+            <a:schemeClr val="accent1"/>
+          </a:lnRef>
+          <a:fillRef idx="0">
+            <a:schemeClr val="accent1"/>
+          </a:fillRef>
+          <a:effectRef idx="1">
+            <a:schemeClr val="accent1"/>
+          </a:effectRef>
+          <a:fontRef idx="minor">
+            <a:schemeClr val="tx1"/>
+          </a:fontRef>
+        </p:style>
+      </p:cxnSp>
+      <p:pic>
+        <p:nvPicPr>
+          <p:cNvPr id="35" name="Picture 34">
+            <a:extLst>
+              <a:ext uri="{FF2B5EF4-FFF2-40B4-BE49-F238E27FC236}">
+                <a16:creationId xmlns:a16="http://schemas.microsoft.com/office/drawing/2014/main" id="{A761AEC1-AA01-A110-823D-86C2D5C10997}"/>
+              </a:ext>
+            </a:extLst>
+          </p:cNvPr>
+          <p:cNvPicPr>
+            <a:picLocks noChangeAspect="1"/>
+          </p:cNvPicPr>
+          <p:nvPr/>
+        </p:nvPicPr>
+        <p:blipFill>
+          <a:blip r:embed="rId3"/>
+          <a:stretch>
+            <a:fillRect/>
+          </a:stretch>
+        </p:blipFill>
+        <p:spPr>
+          <a:xfrm>
+            <a:off x="1938189" y="2543808"/>
+            <a:ext cx="370193" cy="425722"/>
+          </a:xfrm>
+          <a:prstGeom prst="rect">
+            <a:avLst/>
+          </a:prstGeom>
+        </p:spPr>
+      </p:pic>
+      <p:pic>
+        <p:nvPicPr>
+          <p:cNvPr id="41" name="Picture 40">
+            <a:extLst>
+              <a:ext uri="{FF2B5EF4-FFF2-40B4-BE49-F238E27FC236}">
+                <a16:creationId xmlns:a16="http://schemas.microsoft.com/office/drawing/2014/main" id="{17BFA1E2-0F32-ECEF-FBC2-5968DF6288A5}"/>
+              </a:ext>
+            </a:extLst>
+          </p:cNvPr>
+          <p:cNvPicPr>
+            <a:picLocks noChangeAspect="1"/>
+          </p:cNvPicPr>
+          <p:nvPr/>
+        </p:nvPicPr>
+        <p:blipFill>
+          <a:blip r:embed="rId4">
+            <a:extLst>
+              <a:ext uri="{28A0092B-C50C-407E-A947-70E740481C1C}">
+                <a14:useLocalDpi xmlns:a14="http://schemas.microsoft.com/office/drawing/2010/main" val="0"/>
+              </a:ext>
+            </a:extLst>
+          </a:blip>
+          <a:stretch>
+            <a:fillRect/>
+          </a:stretch>
+        </p:blipFill>
+        <p:spPr>
+          <a:xfrm>
+            <a:off x="9348931" y="3968748"/>
+            <a:ext cx="2414271" cy="2414271"/>
+          </a:xfrm>
+          <a:prstGeom prst="rect">
+            <a:avLst/>
+          </a:prstGeom>
+        </p:spPr>
+      </p:pic>
+      <p:pic>
+        <p:nvPicPr>
+          <p:cNvPr id="3" name="Picture 2">
+            <a:extLst>
+              <a:ext uri="{FF2B5EF4-FFF2-40B4-BE49-F238E27FC236}">
+                <a16:creationId xmlns:a16="http://schemas.microsoft.com/office/drawing/2014/main" id="{57E47FD4-4489-4154-26FA-EDF9DB38B52B}"/>
+              </a:ext>
+            </a:extLst>
+          </p:cNvPr>
+          <p:cNvPicPr>
+            <a:picLocks noChangeAspect="1"/>
+          </p:cNvPicPr>
+          <p:nvPr/>
+        </p:nvPicPr>
+        <p:blipFill>
+          <a:blip r:embed="rId5"/>
+          <a:stretch>
+            <a:fillRect/>
+          </a:stretch>
+        </p:blipFill>
+        <p:spPr>
+          <a:xfrm>
+            <a:off x="6119359" y="2220151"/>
+            <a:ext cx="2266120" cy="1498757"/>
+          </a:xfrm>
+          <a:prstGeom prst="rect">
+            <a:avLst/>
+          </a:prstGeom>
+        </p:spPr>
+      </p:pic>
+      <p:sp>
+        <p:nvSpPr>
+          <p:cNvPr id="5" name="TextBox 4">
+            <a:extLst>
+              <a:ext uri="{FF2B5EF4-FFF2-40B4-BE49-F238E27FC236}">
+                <a16:creationId xmlns:a16="http://schemas.microsoft.com/office/drawing/2014/main" id="{D19D74D3-B45B-63DA-CEE4-C2914A0A6A5F}"/>
+              </a:ext>
+            </a:extLst>
+          </p:cNvPr>
+          <p:cNvSpPr txBox="1"/>
+          <p:nvPr/>
+        </p:nvSpPr>
+        <p:spPr>
+          <a:xfrm>
+            <a:off x="9203810" y="2385614"/>
+            <a:ext cx="2414271" cy="923330"/>
+          </a:xfrm>
+          <a:prstGeom prst="rect">
+            <a:avLst/>
+          </a:prstGeom>
+          <a:noFill/>
+        </p:spPr>
+        <p:txBody>
+          <a:bodyPr wrap="square" rtlCol="0">
+            <a:spAutoFit/>
+          </a:bodyPr>
+          <a:lstStyle/>
+          <a:p>
+            <a:r>
+              <a:rPr lang="en-US" dirty="0"/>
+              <a:t>The amount of energy lost determines the color!</a:t>
+            </a:r>
+          </a:p>
+        </p:txBody>
+      </p:sp>
+    </p:spTree>
+    <p:extLst>
+      <p:ext uri="{BB962C8B-B14F-4D97-AF65-F5344CB8AC3E}">
+        <p14:creationId xmlns:p14="http://schemas.microsoft.com/office/powerpoint/2010/main" val="3165803906"/>
+      </p:ext>
+    </p:extLst>
+  </p:cSld>
+  <p:clrMapOvr>
+    <a:masterClrMapping/>
+  </p:clrMapOvr>
+</p:sld>
+</file>
+
+<file path=ppt/slides/slide8.xml><?xml version="1.0" encoding="utf-8"?>
+<p:sld xmlns:a="http://schemas.openxmlformats.org/drawingml/2006/main" xmlns:r="http://schemas.openxmlformats.org/officeDocument/2006/relationships" xmlns:p="http://schemas.openxmlformats.org/presentationml/2006/main">
+  <p:cSld>
+    <p:spTree>
+      <p:nvGrpSpPr>
+        <p:cNvPr id="1" name=""/>
+        <p:cNvGrpSpPr/>
+        <p:nvPr/>
+      </p:nvGrpSpPr>
+      <p:grpSpPr>
+        <a:xfrm>
+          <a:off x="0" y="0"/>
+          <a:ext cx="0" cy="0"/>
+          <a:chOff x="0" y="0"/>
+          <a:chExt cx="0" cy="0"/>
+        </a:xfrm>
+      </p:grpSpPr>
+      <p:sp>
+        <p:nvSpPr>
+          <p:cNvPr id="2" name="Title 1">
+            <a:extLst>
+              <a:ext uri="{FF2B5EF4-FFF2-40B4-BE49-F238E27FC236}">
                 <a16:creationId xmlns:a16="http://schemas.microsoft.com/office/drawing/2014/main" id="{48D3D913-28D1-7178-FFB5-FA2BDE0A8DCF}"/>
               </a:ext>
             </a:extLst>
@@ -5289,33 +6863,90 @@
         </p:nvSpPr>
         <p:spPr/>
         <p:txBody>
-          <a:bodyPr/>
-          <a:lstStyle/>
-          <a:p>
-            <a:r>
-              <a:rPr lang="en-US"/>
-              <a:t>Red in a cell phone display has 650 nm wavelength. What is the energy associated with this wavelength?</a:t>
-            </a:r>
-          </a:p>
-          <a:p>
-            <a:endParaRPr lang="en-US"/>
-          </a:p>
-          <a:p>
-            <a:r>
-              <a:rPr lang="en-US"/>
-              <a:t>Blue in a cell phone display has 400 nm wavelength. What is the energy associated with this wavelength?</a:t>
-            </a:r>
-          </a:p>
-          <a:p>
-            <a:endParaRPr lang="en-US"/>
-          </a:p>
-          <a:p>
-            <a:r>
-              <a:rPr lang="en-US"/>
-              <a:t>A color is associated with 2.5 eV energy. What is the wavelength and color?</a:t>
-            </a:r>
-          </a:p>
-          <a:p>
+          <a:bodyPr vert="horz" lIns="91440" tIns="45720" rIns="91440" bIns="45720" rtlCol="0" anchor="t">
+            <a:normAutofit/>
+          </a:bodyPr>
+          <a:lstStyle/>
+          <a:p>
+            <a:r>
+              <a:rPr lang="en-US" dirty="0"/>
+              <a:t>Red in a cell phone display has 650 nm wavelength. How much energy did the electron need to lose to emit that color?</a:t>
+            </a:r>
+          </a:p>
+          <a:p>
+            <a:endParaRPr lang="en-US" dirty="0"/>
+          </a:p>
+          <a:p>
+            <a:r>
+              <a:rPr lang="en-US" dirty="0">
+                <a:latin typeface="Aptos" panose="02110004020202020204"/>
+                <a:ea typeface="Calibri"/>
+                <a:cs typeface="Calibri"/>
+              </a:rPr>
+              <a:t>Blue</a:t>
+            </a:r>
+            <a:r>
+              <a:rPr lang="en-US" dirty="0"/>
+              <a:t> in a cell phone display has 400 nm wavelength. What is the energy associated with this wavelength?</a:t>
+            </a:r>
+          </a:p>
+          <a:p>
+            <a:endParaRPr lang="en-US" dirty="0"/>
+          </a:p>
+          <a:p>
+            <a:r>
+              <a:rPr lang="en-US" dirty="0"/>
+              <a:t>A colored flashlight burns 2.5 eV of energy. What is the wavelength and color?</a:t>
+            </a:r>
+          </a:p>
+          <a:p>
+            <a:endParaRPr lang="en-US" dirty="0"/>
+          </a:p>
+        </p:txBody>
+      </p:sp>
+      <p:sp>
+        <p:nvSpPr>
+          <p:cNvPr id="4" name="TextBox 3">
+            <a:extLst>
+              <a:ext uri="{FF2B5EF4-FFF2-40B4-BE49-F238E27FC236}">
+                <a16:creationId xmlns:a16="http://schemas.microsoft.com/office/drawing/2014/main" id="{A4E25AEB-E2F2-B810-9987-20ED8AD127EA}"/>
+              </a:ext>
+            </a:extLst>
+          </p:cNvPr>
+          <p:cNvSpPr txBox="1"/>
+          <p:nvPr/>
+        </p:nvSpPr>
+        <p:spPr>
+          <a:xfrm>
+            <a:off x="9271210" y="561739"/>
+            <a:ext cx="2743200" cy="923330"/>
+          </a:xfrm>
+          <a:prstGeom prst="rect">
+            <a:avLst/>
+          </a:prstGeom>
+          <a:noFill/>
+        </p:spPr>
+        <p:txBody>
+          <a:bodyPr rot="0" spcFirstLastPara="0" vertOverflow="overflow" horzOverflow="overflow" vert="horz" wrap="square" lIns="91440" tIns="45720" rIns="91440" bIns="45720" numCol="1" spcCol="0" rtlCol="0" fromWordArt="0" anchor="t" anchorCtr="0" forceAA="0" compatLnSpc="1">
+            <a:prstTxWarp prst="textNoShape">
+              <a:avLst/>
+            </a:prstTxWarp>
+            <a:spAutoFit/>
+          </a:bodyPr>
+          <a:lstStyle/>
+          <a:p>
+            <a:r>
+              <a:rPr lang="en-US" u="sng">
+                <a:solidFill>
+                  <a:srgbClr val="467886"/>
+                </a:solidFill>
+                <a:latin typeface="Calibri"/>
+                <a:ea typeface="Calibri"/>
+                <a:cs typeface="Calibri"/>
+                <a:hlinkClick r:id="rId3"/>
+              </a:rPr>
+              <a:t>https://colab.research.google.com/drive/1u6ndeCskxhfThumCNgOqATr6340i3fIE</a:t>
+            </a:r>
             <a:endParaRPr lang="en-US"/>
           </a:p>
         </p:txBody>
@@ -5961,4 +7592,198 @@
     </a:ext>
   </a:extLst>
 </a:theme>
+</file>
+
+<file path=customXml/item1.xml><?xml version="1.0" encoding="utf-8"?>
+<ct:contentTypeSchema xmlns:ct="http://schemas.microsoft.com/office/2006/metadata/contentType" xmlns:ma="http://schemas.microsoft.com/office/2006/metadata/properties/metaAttributes" ct:_="" ma:_="" ma:contentTypeName="Document" ma:contentTypeID="0x010100F6ED21714A9CE64FB016EA311A478F7D" ma:contentTypeVersion="4" ma:contentTypeDescription="Create a new document." ma:contentTypeScope="" ma:versionID="13d2c3a224005590408068500e820d7f">
+  <xsd:schema xmlns:xsd="http://www.w3.org/2001/XMLSchema" xmlns:xs="http://www.w3.org/2001/XMLSchema" xmlns:p="http://schemas.microsoft.com/office/2006/metadata/properties" xmlns:ns2="11e8e1b9-f066-4fa6-8561-afd81954078d" targetNamespace="http://schemas.microsoft.com/office/2006/metadata/properties" ma:root="true" ma:fieldsID="b5de34bceb0ea647502b434cc2baa9ec" ns2:_="">
+    <xsd:import namespace="11e8e1b9-f066-4fa6-8561-afd81954078d"/>
+    <xsd:element name="properties">
+      <xsd:complexType>
+        <xsd:sequence>
+          <xsd:element name="documentManagement">
+            <xsd:complexType>
+              <xsd:all>
+                <xsd:element ref="ns2:MediaServiceMetadata" minOccurs="0"/>
+                <xsd:element ref="ns2:MediaServiceFastMetadata" minOccurs="0"/>
+                <xsd:element ref="ns2:MediaServiceSearchProperties" minOccurs="0"/>
+                <xsd:element ref="ns2:MediaServiceObjectDetectorVersions" minOccurs="0"/>
+              </xsd:all>
+            </xsd:complexType>
+          </xsd:element>
+        </xsd:sequence>
+      </xsd:complexType>
+    </xsd:element>
+  </xsd:schema>
+  <xsd:schema xmlns:xsd="http://www.w3.org/2001/XMLSchema" xmlns:xs="http://www.w3.org/2001/XMLSchema" xmlns:dms="http://schemas.microsoft.com/office/2006/documentManagement/types" xmlns:pc="http://schemas.microsoft.com/office/infopath/2007/PartnerControls" targetNamespace="11e8e1b9-f066-4fa6-8561-afd81954078d" elementFormDefault="qualified">
+    <xsd:import namespace="http://schemas.microsoft.com/office/2006/documentManagement/types"/>
+    <xsd:import namespace="http://schemas.microsoft.com/office/infopath/2007/PartnerControls"/>
+    <xsd:element name="MediaServiceMetadata" ma:index="8" nillable="true" ma:displayName="MediaServiceMetadata" ma:hidden="true" ma:internalName="MediaServiceMetadata" ma:readOnly="true">
+      <xsd:simpleType>
+        <xsd:restriction base="dms:Note"/>
+      </xsd:simpleType>
+    </xsd:element>
+    <xsd:element name="MediaServiceFastMetadata" ma:index="9" nillable="true" ma:displayName="MediaServiceFastMetadata" ma:hidden="true" ma:internalName="MediaServiceFastMetadata" ma:readOnly="true">
+      <xsd:simpleType>
+        <xsd:restriction base="dms:Note"/>
+      </xsd:simpleType>
+    </xsd:element>
+    <xsd:element name="MediaServiceSearchProperties" ma:index="10" nillable="true" ma:displayName="MediaServiceSearchProperties" ma:hidden="true" ma:internalName="MediaServiceSearchProperties" ma:readOnly="true">
+      <xsd:simpleType>
+        <xsd:restriction base="dms:Note"/>
+      </xsd:simpleType>
+    </xsd:element>
+    <xsd:element name="MediaServiceObjectDetectorVersions" ma:index="11" nillable="true" ma:displayName="MediaServiceObjectDetectorVersions" ma:hidden="true" ma:indexed="true" ma:internalName="MediaServiceObjectDetectorVersions" ma:readOnly="true">
+      <xsd:simpleType>
+        <xsd:restriction base="dms:Text"/>
+      </xsd:simpleType>
+    </xsd:element>
+  </xsd:schema>
+  <xsd:schema xmlns="http://schemas.openxmlformats.org/package/2006/metadata/core-properties" xmlns:xsd="http://www.w3.org/2001/XMLSchema" xmlns:xsi="http://www.w3.org/2001/XMLSchema-instance" xmlns:dc="http://purl.org/dc/elements/1.1/" xmlns:dcterms="http://purl.org/dc/terms/" xmlns:odoc="http://schemas.microsoft.com/internal/obd" targetNamespace="http://schemas.openxmlformats.org/package/2006/metadata/core-properties" elementFormDefault="qualified" attributeFormDefault="unqualified" blockDefault="#all">
+    <xsd:import namespace="http://purl.org/dc/elements/1.1/" schemaLocation="http://dublincore.org/schemas/xmls/qdc/2003/04/02/dc.xsd"/>
+    <xsd:import namespace="http://purl.org/dc/terms/" schemaLocation="http://dublincore.org/schemas/xmls/qdc/2003/04/02/dcterms.xsd"/>
+    <xsd:element name="coreProperties" type="CT_coreProperties"/>
+    <xsd:complexType name="CT_coreProperties">
+      <xsd:all>
+        <xsd:element ref="dc:creator" minOccurs="0" maxOccurs="1"/>
+        <xsd:element ref="dcterms:created" minOccurs="0" maxOccurs="1"/>
+        <xsd:element ref="dc:identifier" minOccurs="0" maxOccurs="1"/>
+        <xsd:element name="contentType" minOccurs="0" maxOccurs="1" type="xsd:string" ma:index="0" ma:displayName="Content Type"/>
+        <xsd:element ref="dc:title" minOccurs="0" maxOccurs="1" ma:index="4" ma:displayName="Title"/>
+        <xsd:element ref="dc:subject" minOccurs="0" maxOccurs="1"/>
+        <xsd:element ref="dc:description" minOccurs="0" maxOccurs="1"/>
+        <xsd:element name="keywords" minOccurs="0" maxOccurs="1" type="xsd:string"/>
+        <xsd:element ref="dc:language" minOccurs="0" maxOccurs="1"/>
+        <xsd:element name="category" minOccurs="0" maxOccurs="1" type="xsd:string"/>
+        <xsd:element name="version" minOccurs="0" maxOccurs="1" type="xsd:string"/>
+        <xsd:element name="revision" minOccurs="0" maxOccurs="1" type="xsd:string">
+          <xsd:annotation>
+            <xsd:documentation>
+                        This value indicates the number of saves or revisions. The application is responsible for updating this value after each revision.
+                    </xsd:documentation>
+          </xsd:annotation>
+        </xsd:element>
+        <xsd:element name="lastModifiedBy" minOccurs="0" maxOccurs="1" type="xsd:string"/>
+        <xsd:element ref="dcterms:modified" minOccurs="0" maxOccurs="1"/>
+        <xsd:element name="contentStatus" minOccurs="0" maxOccurs="1" type="xsd:string"/>
+      </xsd:all>
+    </xsd:complexType>
+  </xsd:schema>
+  <xs:schema xmlns:pc="http://schemas.microsoft.com/office/infopath/2007/PartnerControls" xmlns:xs="http://www.w3.org/2001/XMLSchema" targetNamespace="http://schemas.microsoft.com/office/infopath/2007/PartnerControls" elementFormDefault="qualified" attributeFormDefault="unqualified">
+    <xs:element name="Person">
+      <xs:complexType>
+        <xs:sequence>
+          <xs:element ref="pc:DisplayName" minOccurs="0"/>
+          <xs:element ref="pc:AccountId" minOccurs="0"/>
+          <xs:element ref="pc:AccountType" minOccurs="0"/>
+        </xs:sequence>
+      </xs:complexType>
+    </xs:element>
+    <xs:element name="DisplayName" type="xs:string"/>
+    <xs:element name="AccountId" type="xs:string"/>
+    <xs:element name="AccountType" type="xs:string"/>
+    <xs:element name="BDCAssociatedEntity">
+      <xs:complexType>
+        <xs:sequence>
+          <xs:element ref="pc:BDCEntity" minOccurs="0" maxOccurs="unbounded"/>
+        </xs:sequence>
+        <xs:attribute ref="pc:EntityNamespace"/>
+        <xs:attribute ref="pc:EntityName"/>
+        <xs:attribute ref="pc:SystemInstanceName"/>
+        <xs:attribute ref="pc:AssociationName"/>
+      </xs:complexType>
+    </xs:element>
+    <xs:attribute name="EntityNamespace" type="xs:string"/>
+    <xs:attribute name="EntityName" type="xs:string"/>
+    <xs:attribute name="SystemInstanceName" type="xs:string"/>
+    <xs:attribute name="AssociationName" type="xs:string"/>
+    <xs:element name="BDCEntity">
+      <xs:complexType>
+        <xs:sequence>
+          <xs:element ref="pc:EntityDisplayName" minOccurs="0"/>
+          <xs:element ref="pc:EntityInstanceReference" minOccurs="0"/>
+          <xs:element ref="pc:EntityId1" minOccurs="0"/>
+          <xs:element ref="pc:EntityId2" minOccurs="0"/>
+          <xs:element ref="pc:EntityId3" minOccurs="0"/>
+          <xs:element ref="pc:EntityId4" minOccurs="0"/>
+          <xs:element ref="pc:EntityId5" minOccurs="0"/>
+        </xs:sequence>
+      </xs:complexType>
+    </xs:element>
+    <xs:element name="EntityDisplayName" type="xs:string"/>
+    <xs:element name="EntityInstanceReference" type="xs:string"/>
+    <xs:element name="EntityId1" type="xs:string"/>
+    <xs:element name="EntityId2" type="xs:string"/>
+    <xs:element name="EntityId3" type="xs:string"/>
+    <xs:element name="EntityId4" type="xs:string"/>
+    <xs:element name="EntityId5" type="xs:string"/>
+    <xs:element name="Terms">
+      <xs:complexType>
+        <xs:sequence>
+          <xs:element ref="pc:TermInfo" minOccurs="0" maxOccurs="unbounded"/>
+        </xs:sequence>
+      </xs:complexType>
+    </xs:element>
+    <xs:element name="TermInfo">
+      <xs:complexType>
+        <xs:sequence>
+          <xs:element ref="pc:TermName" minOccurs="0"/>
+          <xs:element ref="pc:TermId" minOccurs="0"/>
+        </xs:sequence>
+      </xs:complexType>
+    </xs:element>
+    <xs:element name="TermName" type="xs:string"/>
+    <xs:element name="TermId" type="xs:string"/>
+  </xs:schema>
+</ct:contentTypeSchema>
+</file>
+
+<file path=customXml/item2.xml><?xml version="1.0" encoding="utf-8"?>
+<?mso-contentType ?>
+<FormTemplates xmlns="http://schemas.microsoft.com/sharepoint/v3/contenttype/forms">
+  <Display>DocumentLibraryForm</Display>
+  <Edit>DocumentLibraryForm</Edit>
+  <New>DocumentLibraryForm</New>
+</FormTemplates>
+</file>
+
+<file path=customXml/item3.xml><?xml version="1.0" encoding="utf-8"?>
+<p:properties xmlns:p="http://schemas.microsoft.com/office/2006/metadata/properties" xmlns:xsi="http://www.w3.org/2001/XMLSchema-instance" xmlns:pc="http://schemas.microsoft.com/office/infopath/2007/PartnerControls">
+  <documentManagement/>
+</p:properties>
+</file>
+
+<file path=customXml/itemProps1.xml><?xml version="1.0" encoding="utf-8"?>
+<ds:datastoreItem xmlns:ds="http://schemas.openxmlformats.org/officeDocument/2006/customXml" ds:itemID="{508B84C3-04D2-420B-8BE7-751FA9317496}">
+  <ds:schemaRefs>
+    <ds:schemaRef ds:uri="http://schemas.microsoft.com/office/2006/metadata/contentType"/>
+    <ds:schemaRef ds:uri="http://schemas.microsoft.com/office/2006/metadata/properties/metaAttributes"/>
+    <ds:schemaRef ds:uri="http://www.w3.org/2001/XMLSchema"/>
+    <ds:schemaRef ds:uri="http://schemas.microsoft.com/office/2006/metadata/properties"/>
+    <ds:schemaRef ds:uri="11e8e1b9-f066-4fa6-8561-afd81954078d"/>
+    <ds:schemaRef ds:uri="http://schemas.microsoft.com/office/2006/documentManagement/types"/>
+    <ds:schemaRef ds:uri="http://schemas.microsoft.com/office/infopath/2007/PartnerControls"/>
+    <ds:schemaRef ds:uri="http://schemas.openxmlformats.org/package/2006/metadata/core-properties"/>
+    <ds:schemaRef ds:uri="http://purl.org/dc/elements/1.1/"/>
+    <ds:schemaRef ds:uri="http://purl.org/dc/terms/"/>
+    <ds:schemaRef ds:uri="http://schemas.microsoft.com/internal/obd"/>
+  </ds:schemaRefs>
+</ds:datastoreItem>
+</file>
+
+<file path=customXml/itemProps2.xml><?xml version="1.0" encoding="utf-8"?>
+<ds:datastoreItem xmlns:ds="http://schemas.openxmlformats.org/officeDocument/2006/customXml" ds:itemID="{CCBA10F7-7817-4128-915D-426D847446D6}">
+  <ds:schemaRefs>
+    <ds:schemaRef ds:uri="http://schemas.microsoft.com/sharepoint/v3/contenttype/forms"/>
+  </ds:schemaRefs>
+</ds:datastoreItem>
+</file>
+
+<file path=customXml/itemProps3.xml><?xml version="1.0" encoding="utf-8"?>
+<ds:datastoreItem xmlns:ds="http://schemas.openxmlformats.org/officeDocument/2006/customXml" ds:itemID="{B96C60AC-E685-473A-B0EE-4BB6431674F6}">
+  <ds:schemaRefs>
+    <ds:schemaRef ds:uri="http://schemas.microsoft.com/office/2006/metadata/properties"/>
+    <ds:schemaRef ds:uri="http://schemas.microsoft.com/office/infopath/2007/PartnerControls"/>
+  </ds:schemaRefs>
+</ds:datastoreItem>
 </file>